--- a/About Web Crawling.pptx
+++ b/About Web Crawling.pptx
@@ -21,11 +21,12 @@
     <p:sldId id="264" r:id="rId15"/>
     <p:sldId id="275" r:id="rId16"/>
     <p:sldId id="274" r:id="rId17"/>
-    <p:sldId id="269" r:id="rId18"/>
-    <p:sldId id="276" r:id="rId19"/>
-    <p:sldId id="277" r:id="rId20"/>
-    <p:sldId id="265" r:id="rId21"/>
-    <p:sldId id="268" r:id="rId22"/>
+    <p:sldId id="279" r:id="rId18"/>
+    <p:sldId id="269" r:id="rId19"/>
+    <p:sldId id="276" r:id="rId20"/>
+    <p:sldId id="277" r:id="rId21"/>
+    <p:sldId id="265" r:id="rId22"/>
+    <p:sldId id="268" r:id="rId23"/>
   </p:sldIdLst>
   <p:sldSz cx="12192000" cy="6858000"/>
   <p:notesSz cx="6858000" cy="9144000"/>
@@ -3849,10 +3850,11 @@
           <a:p>
             <a:r>
               <a:rPr lang="en-US" altLang="ko-KR" dirty="0"/>
-              <a:t>https://github.com/cherub8128/Python-Scripts/</a:t>
-            </a:r>
-          </a:p>
-          <a:p>
+              <a:t>https://github.com/cherub8128/Lecture/ </a:t>
+            </a:r>
+            <a:br>
+              <a:rPr lang="en-US" altLang="ko-KR" dirty="0"/>
+            </a:br>
             <a:r>
               <a:rPr lang="en-US" altLang="ko-KR" dirty="0"/>
               <a:t>crawling_PM2.5.py </a:t>
@@ -6658,6 +6660,247 @@
           <p:cNvPr id="2" name="제목 1">
             <a:extLst>
               <a:ext uri="{FF2B5EF4-FFF2-40B4-BE49-F238E27FC236}">
+                <a16:creationId xmlns:a16="http://schemas.microsoft.com/office/drawing/2014/main" id="{BD276B29-A510-40CC-BF30-BC9B6B5B58CD}"/>
+              </a:ext>
+            </a:extLst>
+          </p:cNvPr>
+          <p:cNvSpPr>
+            <a:spLocks noGrp="1"/>
+          </p:cNvSpPr>
+          <p:nvPr>
+            <p:ph type="title"/>
+          </p:nvPr>
+        </p:nvSpPr>
+        <p:spPr/>
+        <p:txBody>
+          <a:bodyPr/>
+          <a:lstStyle/>
+          <a:p>
+            <a:r>
+              <a:rPr lang="ko-KR" altLang="en-US" dirty="0" err="1"/>
+              <a:t>꿀팁</a:t>
+            </a:r>
+            <a:r>
+              <a:rPr lang="en-US" altLang="ko-KR" dirty="0"/>
+              <a:t>. </a:t>
+            </a:r>
+            <a:r>
+              <a:rPr lang="ko-KR" altLang="en-US" dirty="0"/>
+              <a:t>위치 가져오기</a:t>
+            </a:r>
+          </a:p>
+        </p:txBody>
+      </p:sp>
+      <p:sp>
+        <p:nvSpPr>
+          <p:cNvPr id="3" name="내용 개체 틀 2">
+            <a:extLst>
+              <a:ext uri="{FF2B5EF4-FFF2-40B4-BE49-F238E27FC236}">
+                <a16:creationId xmlns:a16="http://schemas.microsoft.com/office/drawing/2014/main" id="{E93FA842-CD86-40A0-8F99-069D594213DE}"/>
+              </a:ext>
+            </a:extLst>
+          </p:cNvPr>
+          <p:cNvSpPr>
+            <a:spLocks noGrp="1"/>
+          </p:cNvSpPr>
+          <p:nvPr>
+            <p:ph idx="1"/>
+          </p:nvPr>
+        </p:nvSpPr>
+        <p:spPr>
+          <a:xfrm>
+            <a:off x="838199" y="1825625"/>
+            <a:ext cx="6689953" cy="4351338"/>
+          </a:xfrm>
+        </p:spPr>
+        <p:txBody>
+          <a:bodyPr/>
+          <a:lstStyle/>
+          <a:p>
+            <a:r>
+              <a:rPr lang="en-US" altLang="ko-KR" dirty="0" err="1"/>
+              <a:t>Xpath</a:t>
+            </a:r>
+            <a:r>
+              <a:rPr lang="ko-KR" altLang="en-US" dirty="0"/>
+              <a:t>의 경우 크롬에서 쉽게 가져올 수 있다</a:t>
+            </a:r>
+            <a:r>
+              <a:rPr lang="en-US" altLang="ko-KR" dirty="0"/>
+              <a:t>.</a:t>
+            </a:r>
+          </a:p>
+          <a:p>
+            <a:endParaRPr lang="en-US" altLang="ko-KR" dirty="0"/>
+          </a:p>
+          <a:p>
+            <a:pPr marL="514350" indent="-514350">
+              <a:buFont typeface="+mj-lt"/>
+              <a:buAutoNum type="arabicPeriod"/>
+            </a:pPr>
+            <a:r>
+              <a:rPr lang="ko-KR" altLang="en-US" dirty="0"/>
+              <a:t>해당 위치에서 </a:t>
+            </a:r>
+            <a:r>
+              <a:rPr lang="ko-KR" altLang="en-US" dirty="0" err="1"/>
+              <a:t>우클릭</a:t>
+            </a:r>
+            <a:endParaRPr lang="en-US" altLang="ko-KR" dirty="0"/>
+          </a:p>
+          <a:p>
+            <a:pPr marL="514350" indent="-514350">
+              <a:buFont typeface="+mj-lt"/>
+              <a:buAutoNum type="arabicPeriod"/>
+            </a:pPr>
+            <a:r>
+              <a:rPr lang="en-US" altLang="ko-KR" dirty="0"/>
+              <a:t>Copy&gt;Copy </a:t>
+            </a:r>
+            <a:r>
+              <a:rPr lang="en-US" altLang="ko-KR" dirty="0" err="1"/>
+              <a:t>Xpath</a:t>
+            </a:r>
+            <a:r>
+              <a:rPr lang="en-US" altLang="ko-KR" dirty="0"/>
+              <a:t> </a:t>
+            </a:r>
+            <a:r>
+              <a:rPr lang="ko-KR" altLang="en-US" dirty="0"/>
+              <a:t>혹은</a:t>
+            </a:r>
+            <a:r>
+              <a:rPr lang="en-US" altLang="ko-KR" dirty="0"/>
+              <a:t> </a:t>
+            </a:r>
+            <a:br>
+              <a:rPr lang="en-US" altLang="ko-KR" dirty="0"/>
+            </a:br>
+            <a:r>
+              <a:rPr lang="en-US" altLang="ko-KR" dirty="0"/>
+              <a:t>Copy full </a:t>
+            </a:r>
+            <a:r>
+              <a:rPr lang="en-US" altLang="ko-KR" dirty="0" err="1"/>
+              <a:t>Xpath</a:t>
+            </a:r>
+            <a:r>
+              <a:rPr lang="ko-KR" altLang="en-US" dirty="0"/>
+              <a:t>를 클릭</a:t>
+            </a:r>
+            <a:endParaRPr lang="en-US" altLang="ko-KR" dirty="0"/>
+          </a:p>
+          <a:p>
+            <a:pPr marL="514350" indent="-514350">
+              <a:buFont typeface="+mj-lt"/>
+              <a:buAutoNum type="arabicPeriod"/>
+            </a:pPr>
+            <a:r>
+              <a:rPr lang="en-US" altLang="ko-KR" dirty="0" err="1"/>
+              <a:t>find_element_by_xpath</a:t>
+            </a:r>
+            <a:r>
+              <a:rPr lang="en-US" altLang="ko-KR" dirty="0"/>
+              <a:t>()</a:t>
+            </a:r>
+            <a:r>
+              <a:rPr lang="ko-KR" altLang="en-US" dirty="0"/>
+              <a:t>의 </a:t>
+            </a:r>
+            <a:br>
+              <a:rPr lang="en-US" altLang="ko-KR" dirty="0"/>
+            </a:br>
+            <a:r>
+              <a:rPr lang="ko-KR" altLang="en-US" dirty="0"/>
+              <a:t>괄호 안에</a:t>
+            </a:r>
+            <a:r>
+              <a:rPr lang="en-US" altLang="ko-KR" dirty="0"/>
+              <a:t> </a:t>
+            </a:r>
+            <a:r>
+              <a:rPr lang="ko-KR" altLang="en-US" dirty="0"/>
+              <a:t>그대로 붙여넣기</a:t>
+            </a:r>
+            <a:endParaRPr lang="en-US" altLang="ko-KR" dirty="0"/>
+          </a:p>
+          <a:p>
+            <a:pPr marL="514350" indent="-514350">
+              <a:buFont typeface="+mj-lt"/>
+              <a:buAutoNum type="arabicPeriod"/>
+            </a:pPr>
+            <a:endParaRPr lang="en-US" altLang="ko-KR" dirty="0"/>
+          </a:p>
+          <a:p>
+            <a:endParaRPr lang="ko-KR" altLang="en-US" dirty="0"/>
+          </a:p>
+        </p:txBody>
+      </p:sp>
+      <p:pic>
+        <p:nvPicPr>
+          <p:cNvPr id="5" name="그림 4">
+            <a:extLst>
+              <a:ext uri="{FF2B5EF4-FFF2-40B4-BE49-F238E27FC236}">
+                <a16:creationId xmlns:a16="http://schemas.microsoft.com/office/drawing/2014/main" id="{D38C3ACF-2E92-4519-844D-54BDE66D1C26}"/>
+              </a:ext>
+            </a:extLst>
+          </p:cNvPr>
+          <p:cNvPicPr>
+            <a:picLocks noChangeAspect="1"/>
+          </p:cNvPicPr>
+          <p:nvPr/>
+        </p:nvPicPr>
+        <p:blipFill>
+          <a:blip r:embed="rId2"/>
+          <a:stretch>
+            <a:fillRect/>
+          </a:stretch>
+        </p:blipFill>
+        <p:spPr>
+          <a:xfrm>
+            <a:off x="7528152" y="681037"/>
+            <a:ext cx="4508337" cy="5185479"/>
+          </a:xfrm>
+          <a:prstGeom prst="rect">
+            <a:avLst/>
+          </a:prstGeom>
+        </p:spPr>
+      </p:pic>
+    </p:spTree>
+    <p:extLst>
+      <p:ext uri="{BB962C8B-B14F-4D97-AF65-F5344CB8AC3E}">
+        <p14:creationId xmlns:p14="http://schemas.microsoft.com/office/powerpoint/2010/main" val="139375148"/>
+      </p:ext>
+    </p:extLst>
+  </p:cSld>
+  <p:clrMapOvr>
+    <a:masterClrMapping/>
+  </p:clrMapOvr>
+</p:sld>
+</file>
+
+<file path=ppt/slides/slide18.xml><?xml version="1.0" encoding="utf-8"?>
+<p:sld xmlns:a="http://schemas.openxmlformats.org/drawingml/2006/main" xmlns:r="http://schemas.openxmlformats.org/officeDocument/2006/relationships" xmlns:p="http://schemas.openxmlformats.org/presentationml/2006/main">
+  <p:cSld>
+    <p:spTree>
+      <p:nvGrpSpPr>
+        <p:cNvPr id="1" name=""/>
+        <p:cNvGrpSpPr/>
+        <p:nvPr/>
+      </p:nvGrpSpPr>
+      <p:grpSpPr>
+        <a:xfrm>
+          <a:off x="0" y="0"/>
+          <a:ext cx="0" cy="0"/>
+          <a:chOff x="0" y="0"/>
+          <a:chExt cx="0" cy="0"/>
+        </a:xfrm>
+      </p:grpSpPr>
+      <p:sp>
+        <p:nvSpPr>
+          <p:cNvPr id="2" name="제목 1">
+            <a:extLst>
+              <a:ext uri="{FF2B5EF4-FFF2-40B4-BE49-F238E27FC236}">
                 <a16:creationId xmlns:a16="http://schemas.microsoft.com/office/drawing/2014/main" id="{9A2A3EDE-E7F0-4E31-BB23-CF34E479FDC5}"/>
               </a:ext>
             </a:extLst>
@@ -6755,6 +6998,13 @@
           <a:p>
             <a:r>
               <a:rPr lang="en-US" altLang="ko-KR" dirty="0"/>
+              <a:t>https://github.com/cherub8128/Lecture/</a:t>
+            </a:r>
+            <a:br>
+              <a:rPr lang="en-US" altLang="ko-KR" dirty="0"/>
+            </a:br>
+            <a:r>
+              <a:rPr lang="en-US" altLang="ko-KR" dirty="0"/>
               <a:t>crawling_stock_save.py </a:t>
             </a:r>
             <a:r>
@@ -6784,7 +7034,7 @@
 </p:sld>
 </file>
 
-<file path=ppt/slides/slide18.xml><?xml version="1.0" encoding="utf-8"?>
+<file path=ppt/slides/slide19.xml><?xml version="1.0" encoding="utf-8"?>
 <p:sld xmlns:a="http://schemas.openxmlformats.org/drawingml/2006/main" xmlns:r="http://schemas.openxmlformats.org/officeDocument/2006/relationships" xmlns:p="http://schemas.openxmlformats.org/presentationml/2006/main">
   <p:cSld>
     <p:spTree>
@@ -7415,1782 +7665,6 @@
     <p:extLst>
       <p:ext uri="{BB962C8B-B14F-4D97-AF65-F5344CB8AC3E}">
         <p14:creationId xmlns:p14="http://schemas.microsoft.com/office/powerpoint/2010/main" val="3877987372"/>
-      </p:ext>
-    </p:extLst>
-  </p:cSld>
-  <p:clrMapOvr>
-    <a:masterClrMapping/>
-  </p:clrMapOvr>
-</p:sld>
-</file>
-
-<file path=ppt/slides/slide19.xml><?xml version="1.0" encoding="utf-8"?>
-<p:sld xmlns:a="http://schemas.openxmlformats.org/drawingml/2006/main" xmlns:r="http://schemas.openxmlformats.org/officeDocument/2006/relationships" xmlns:p="http://schemas.openxmlformats.org/presentationml/2006/main">
-  <p:cSld>
-    <p:spTree>
-      <p:nvGrpSpPr>
-        <p:cNvPr id="1" name=""/>
-        <p:cNvGrpSpPr/>
-        <p:nvPr/>
-      </p:nvGrpSpPr>
-      <p:grpSpPr>
-        <a:xfrm>
-          <a:off x="0" y="0"/>
-          <a:ext cx="0" cy="0"/>
-          <a:chOff x="0" y="0"/>
-          <a:chExt cx="0" cy="0"/>
-        </a:xfrm>
-      </p:grpSpPr>
-      <p:sp>
-        <p:nvSpPr>
-          <p:cNvPr id="2" name="내용 개체 틀 1">
-            <a:extLst>
-              <a:ext uri="{FF2B5EF4-FFF2-40B4-BE49-F238E27FC236}">
-                <a16:creationId xmlns:a16="http://schemas.microsoft.com/office/drawing/2014/main" id="{75B465B9-E53C-4E07-9D1E-5D517C4ADA39}"/>
-              </a:ext>
-            </a:extLst>
-          </p:cNvPr>
-          <p:cNvSpPr>
-            <a:spLocks noGrp="1"/>
-          </p:cNvSpPr>
-          <p:nvPr>
-            <p:ph idx="1"/>
-          </p:nvPr>
-        </p:nvSpPr>
-        <p:spPr/>
-        <p:txBody>
-          <a:bodyPr>
-            <a:normAutofit fontScale="70000" lnSpcReduction="20000"/>
-          </a:bodyPr>
-          <a:lstStyle/>
-          <a:p>
-            <a:r>
-              <a:rPr lang="en-US" altLang="ko-KR" b="0" dirty="0">
-                <a:solidFill>
-                  <a:srgbClr val="505050"/>
-                </a:solidFill>
-                <a:effectLst/>
-                <a:latin typeface=" D2Coding ligature'"/>
-              </a:rPr>
-              <a:t># </a:t>
-            </a:r>
-            <a:r>
-              <a:rPr lang="ko-KR" altLang="en-US" b="0" dirty="0">
-                <a:solidFill>
-                  <a:srgbClr val="505050"/>
-                </a:solidFill>
-                <a:effectLst/>
-                <a:latin typeface=" D2Coding ligature'"/>
-              </a:rPr>
-              <a:t>무한 반복하기</a:t>
-            </a:r>
-            <a:endParaRPr lang="ko-KR" altLang="en-US" b="0" dirty="0">
-              <a:solidFill>
-                <a:srgbClr val="D4D4D4"/>
-              </a:solidFill>
-              <a:effectLst/>
-              <a:latin typeface=" D2Coding ligature'"/>
-            </a:endParaRPr>
-          </a:p>
-          <a:p>
-            <a:r>
-              <a:rPr lang="en-US" altLang="ko-KR" b="0" dirty="0">
-                <a:solidFill>
-                  <a:srgbClr val="C586C0"/>
-                </a:solidFill>
-                <a:effectLst/>
-                <a:latin typeface=" D2Coding ligature'"/>
-              </a:rPr>
-              <a:t>while</a:t>
-            </a:r>
-            <a:r>
-              <a:rPr lang="en-US" altLang="ko-KR" b="0" dirty="0">
-                <a:solidFill>
-                  <a:srgbClr val="D4D4D4"/>
-                </a:solidFill>
-                <a:effectLst/>
-                <a:latin typeface=" D2Coding ligature'"/>
-              </a:rPr>
-              <a:t> </a:t>
-            </a:r>
-            <a:r>
-              <a:rPr lang="en-US" altLang="ko-KR" b="0" dirty="0">
-                <a:solidFill>
-                  <a:srgbClr val="569CD6"/>
-                </a:solidFill>
-                <a:effectLst/>
-                <a:latin typeface=" D2Coding ligature'"/>
-              </a:rPr>
-              <a:t>True</a:t>
-            </a:r>
-            <a:r>
-              <a:rPr lang="en-US" altLang="ko-KR" b="0" dirty="0">
-                <a:solidFill>
-                  <a:srgbClr val="C586C0"/>
-                </a:solidFill>
-                <a:effectLst/>
-                <a:latin typeface=" D2Coding ligature'"/>
-              </a:rPr>
-              <a:t>:</a:t>
-            </a:r>
-            <a:endParaRPr lang="en-US" altLang="ko-KR" b="0" dirty="0">
-              <a:solidFill>
-                <a:srgbClr val="D4D4D4"/>
-              </a:solidFill>
-              <a:effectLst/>
-              <a:latin typeface=" D2Coding ligature'"/>
-            </a:endParaRPr>
-          </a:p>
-          <a:p>
-            <a:r>
-              <a:rPr lang="en-US" altLang="ko-KR" b="0" dirty="0">
-                <a:solidFill>
-                  <a:srgbClr val="D4D4D4"/>
-                </a:solidFill>
-                <a:effectLst/>
-                <a:latin typeface=" D2Coding ligature'"/>
-              </a:rPr>
-              <a:t>    </a:t>
-            </a:r>
-            <a:r>
-              <a:rPr lang="en-US" altLang="ko-KR" b="0" dirty="0">
-                <a:solidFill>
-                  <a:srgbClr val="505050"/>
-                </a:solidFill>
-                <a:effectLst/>
-                <a:latin typeface=" D2Coding ligature'"/>
-              </a:rPr>
-              <a:t># </a:t>
-            </a:r>
-            <a:r>
-              <a:rPr lang="ko-KR" altLang="en-US" b="0" dirty="0">
-                <a:solidFill>
-                  <a:srgbClr val="505050"/>
-                </a:solidFill>
-                <a:effectLst/>
-                <a:latin typeface=" D2Coding ligature'"/>
-              </a:rPr>
-              <a:t>삼성 현재주가를 </a:t>
-            </a:r>
-            <a:r>
-              <a:rPr lang="ko-KR" altLang="en-US" b="0" dirty="0" err="1">
-                <a:solidFill>
-                  <a:srgbClr val="505050"/>
-                </a:solidFill>
-                <a:effectLst/>
-                <a:latin typeface=" D2Coding ligature'"/>
-              </a:rPr>
-              <a:t>받아오기</a:t>
-            </a:r>
-            <a:r>
-              <a:rPr lang="ko-KR" altLang="en-US" b="0" dirty="0">
-                <a:solidFill>
-                  <a:srgbClr val="505050"/>
-                </a:solidFill>
-                <a:effectLst/>
-                <a:latin typeface=" D2Coding ligature'"/>
-              </a:rPr>
-              <a:t> 위해 </a:t>
-            </a:r>
-            <a:r>
-              <a:rPr lang="en-US" altLang="ko-KR" b="0" dirty="0">
-                <a:solidFill>
-                  <a:srgbClr val="505050"/>
-                </a:solidFill>
-                <a:effectLst/>
-                <a:latin typeface=" D2Coding ligature'"/>
-              </a:rPr>
-              <a:t>class </a:t>
-            </a:r>
-            <a:r>
-              <a:rPr lang="ko-KR" altLang="en-US" b="0" dirty="0">
-                <a:solidFill>
-                  <a:srgbClr val="505050"/>
-                </a:solidFill>
-                <a:effectLst/>
-                <a:latin typeface=" D2Coding ligature'"/>
-              </a:rPr>
-              <a:t>이름이 </a:t>
-            </a:r>
-            <a:r>
-              <a:rPr lang="en-US" altLang="ko-KR" b="0" dirty="0">
-                <a:solidFill>
-                  <a:srgbClr val="505050"/>
-                </a:solidFill>
-                <a:effectLst/>
-                <a:latin typeface=" D2Coding ligature'"/>
-              </a:rPr>
-              <a:t>today</a:t>
-            </a:r>
-            <a:r>
-              <a:rPr lang="ko-KR" altLang="en-US" b="0" dirty="0">
-                <a:solidFill>
-                  <a:srgbClr val="505050"/>
-                </a:solidFill>
-                <a:effectLst/>
-                <a:latin typeface=" D2Coding ligature'"/>
-              </a:rPr>
-              <a:t>인 값 찾아 저장하기</a:t>
-            </a:r>
-            <a:endParaRPr lang="ko-KR" altLang="en-US" b="0" dirty="0">
-              <a:solidFill>
-                <a:srgbClr val="D4D4D4"/>
-              </a:solidFill>
-              <a:effectLst/>
-              <a:latin typeface=" D2Coding ligature'"/>
-            </a:endParaRPr>
-          </a:p>
-          <a:p>
-            <a:r>
-              <a:rPr lang="ko-KR" altLang="en-US" b="0" dirty="0">
-                <a:solidFill>
-                  <a:srgbClr val="D4D4D4"/>
-                </a:solidFill>
-                <a:effectLst/>
-                <a:latin typeface=" D2Coding ligature'"/>
-              </a:rPr>
-              <a:t>    </a:t>
-            </a:r>
-            <a:r>
-              <a:rPr lang="en-US" altLang="ko-KR" b="0" dirty="0">
-                <a:solidFill>
-                  <a:srgbClr val="D4D4D4"/>
-                </a:solidFill>
-                <a:effectLst/>
-                <a:latin typeface=" D2Coding ligature'"/>
-              </a:rPr>
-              <a:t>today </a:t>
-            </a:r>
-            <a:r>
-              <a:rPr lang="en-US" altLang="ko-KR" b="0" dirty="0">
-                <a:solidFill>
-                  <a:srgbClr val="C586C0"/>
-                </a:solidFill>
-                <a:effectLst/>
-                <a:latin typeface=" D2Coding ligature'"/>
-              </a:rPr>
-              <a:t>=</a:t>
-            </a:r>
-            <a:r>
-              <a:rPr lang="en-US" altLang="ko-KR" b="0" dirty="0">
-                <a:solidFill>
-                  <a:srgbClr val="D4D4D4"/>
-                </a:solidFill>
-                <a:effectLst/>
-                <a:latin typeface=" D2Coding ligature'"/>
-              </a:rPr>
-              <a:t> </a:t>
-            </a:r>
-            <a:r>
-              <a:rPr lang="en-US" altLang="ko-KR" b="0" dirty="0" err="1">
-                <a:solidFill>
-                  <a:srgbClr val="D4D4D4"/>
-                </a:solidFill>
-                <a:effectLst/>
-                <a:latin typeface=" D2Coding ligature'"/>
-              </a:rPr>
-              <a:t>driver</a:t>
-            </a:r>
-            <a:r>
-              <a:rPr lang="en-US" altLang="ko-KR" b="0" dirty="0" err="1">
-                <a:solidFill>
-                  <a:srgbClr val="C586C0"/>
-                </a:solidFill>
-                <a:effectLst/>
-                <a:latin typeface=" D2Coding ligature'"/>
-              </a:rPr>
-              <a:t>.</a:t>
-            </a:r>
-            <a:r>
-              <a:rPr lang="en-US" altLang="ko-KR" b="0" dirty="0" err="1">
-                <a:solidFill>
-                  <a:srgbClr val="DCDCAA"/>
-                </a:solidFill>
-                <a:effectLst/>
-                <a:latin typeface=" D2Coding ligature'"/>
-              </a:rPr>
-              <a:t>find_element_by_xpath</a:t>
-            </a:r>
-            <a:r>
-              <a:rPr lang="en-US" altLang="ko-KR" b="0" dirty="0">
-                <a:solidFill>
-                  <a:srgbClr val="D4D4D4"/>
-                </a:solidFill>
-                <a:effectLst/>
-                <a:latin typeface=" D2Coding ligature'"/>
-              </a:rPr>
-              <a:t>(</a:t>
-            </a:r>
-            <a:r>
-              <a:rPr lang="en-US" altLang="ko-KR" b="0" dirty="0">
-                <a:solidFill>
-                  <a:srgbClr val="CE9178"/>
-                </a:solidFill>
-                <a:effectLst/>
-                <a:latin typeface=" D2Coding ligature'"/>
-              </a:rPr>
-              <a:t>"//div[@class='today']"</a:t>
-            </a:r>
-            <a:r>
-              <a:rPr lang="en-US" altLang="ko-KR" b="0" dirty="0">
-                <a:solidFill>
-                  <a:srgbClr val="D4D4D4"/>
-                </a:solidFill>
-                <a:effectLst/>
-                <a:latin typeface=" D2Coding ligature'"/>
-              </a:rPr>
-              <a:t>)</a:t>
-            </a:r>
-          </a:p>
-          <a:p>
-            <a:r>
-              <a:rPr lang="en-US" altLang="ko-KR" b="0" dirty="0">
-                <a:solidFill>
-                  <a:srgbClr val="D4D4D4"/>
-                </a:solidFill>
-                <a:effectLst/>
-                <a:latin typeface=" D2Coding ligature'"/>
-              </a:rPr>
-              <a:t>    </a:t>
-            </a:r>
-            <a:r>
-              <a:rPr lang="en-US" altLang="ko-KR" b="0" dirty="0">
-                <a:solidFill>
-                  <a:srgbClr val="505050"/>
-                </a:solidFill>
-                <a:effectLst/>
-                <a:latin typeface=" D2Coding ligature'"/>
-              </a:rPr>
-              <a:t># p </a:t>
-            </a:r>
-            <a:r>
-              <a:rPr lang="ko-KR" altLang="en-US" b="0" dirty="0">
-                <a:solidFill>
-                  <a:srgbClr val="505050"/>
-                </a:solidFill>
-                <a:effectLst/>
-                <a:latin typeface=" D2Coding ligature'"/>
-              </a:rPr>
-              <a:t>태그를 갖고 있는 모든 값을 찾아 저장하기</a:t>
-            </a:r>
-            <a:endParaRPr lang="ko-KR" altLang="en-US" b="0" dirty="0">
-              <a:solidFill>
-                <a:srgbClr val="D4D4D4"/>
-              </a:solidFill>
-              <a:effectLst/>
-              <a:latin typeface=" D2Coding ligature'"/>
-            </a:endParaRPr>
-          </a:p>
-          <a:p>
-            <a:r>
-              <a:rPr lang="ko-KR" altLang="en-US" b="0" dirty="0">
-                <a:solidFill>
-                  <a:srgbClr val="D4D4D4"/>
-                </a:solidFill>
-                <a:effectLst/>
-                <a:latin typeface=" D2Coding ligature'"/>
-              </a:rPr>
-              <a:t>    </a:t>
-            </a:r>
-            <a:r>
-              <a:rPr lang="en-US" altLang="ko-KR" b="0" dirty="0">
-                <a:solidFill>
-                  <a:srgbClr val="D4D4D4"/>
-                </a:solidFill>
-                <a:effectLst/>
-                <a:latin typeface=" D2Coding ligature'"/>
-              </a:rPr>
-              <a:t>p </a:t>
-            </a:r>
-            <a:r>
-              <a:rPr lang="en-US" altLang="ko-KR" b="0" dirty="0">
-                <a:solidFill>
-                  <a:srgbClr val="C586C0"/>
-                </a:solidFill>
-                <a:effectLst/>
-                <a:latin typeface=" D2Coding ligature'"/>
-              </a:rPr>
-              <a:t>=</a:t>
-            </a:r>
-            <a:r>
-              <a:rPr lang="en-US" altLang="ko-KR" b="0" dirty="0">
-                <a:solidFill>
-                  <a:srgbClr val="D4D4D4"/>
-                </a:solidFill>
-                <a:effectLst/>
-                <a:latin typeface=" D2Coding ligature'"/>
-              </a:rPr>
-              <a:t> </a:t>
-            </a:r>
-            <a:r>
-              <a:rPr lang="en-US" altLang="ko-KR" b="0" dirty="0" err="1">
-                <a:solidFill>
-                  <a:srgbClr val="D4D4D4"/>
-                </a:solidFill>
-                <a:effectLst/>
-                <a:latin typeface=" D2Coding ligature'"/>
-              </a:rPr>
-              <a:t>today</a:t>
-            </a:r>
-            <a:r>
-              <a:rPr lang="en-US" altLang="ko-KR" b="0" dirty="0" err="1">
-                <a:solidFill>
-                  <a:srgbClr val="C586C0"/>
-                </a:solidFill>
-                <a:effectLst/>
-                <a:latin typeface=" D2Coding ligature'"/>
-              </a:rPr>
-              <a:t>.</a:t>
-            </a:r>
-            <a:r>
-              <a:rPr lang="en-US" altLang="ko-KR" b="0" dirty="0" err="1">
-                <a:solidFill>
-                  <a:srgbClr val="DCDCAA"/>
-                </a:solidFill>
-                <a:effectLst/>
-                <a:latin typeface=" D2Coding ligature'"/>
-              </a:rPr>
-              <a:t>find_element_by_tag_name</a:t>
-            </a:r>
-            <a:r>
-              <a:rPr lang="en-US" altLang="ko-KR" b="0" dirty="0">
-                <a:solidFill>
-                  <a:srgbClr val="D4D4D4"/>
-                </a:solidFill>
-                <a:effectLst/>
-                <a:latin typeface=" D2Coding ligature'"/>
-              </a:rPr>
-              <a:t>(</a:t>
-            </a:r>
-            <a:r>
-              <a:rPr lang="en-US" altLang="ko-KR" b="0" dirty="0">
-                <a:solidFill>
-                  <a:srgbClr val="CE9178"/>
-                </a:solidFill>
-                <a:effectLst/>
-                <a:latin typeface=" D2Coding ligature'"/>
-              </a:rPr>
-              <a:t>"p"</a:t>
-            </a:r>
-            <a:r>
-              <a:rPr lang="en-US" altLang="ko-KR" b="0" dirty="0">
-                <a:solidFill>
-                  <a:srgbClr val="D4D4D4"/>
-                </a:solidFill>
-                <a:effectLst/>
-                <a:latin typeface=" D2Coding ligature'"/>
-              </a:rPr>
-              <a:t>)</a:t>
-            </a:r>
-          </a:p>
-          <a:p>
-            <a:r>
-              <a:rPr lang="en-US" altLang="ko-KR" b="0" dirty="0">
-                <a:solidFill>
-                  <a:srgbClr val="D4D4D4"/>
-                </a:solidFill>
-                <a:effectLst/>
-                <a:latin typeface=" D2Coding ligature'"/>
-              </a:rPr>
-              <a:t>    </a:t>
-            </a:r>
-            <a:r>
-              <a:rPr lang="en-US" altLang="ko-KR" b="0" dirty="0">
-                <a:solidFill>
-                  <a:srgbClr val="505050"/>
-                </a:solidFill>
-                <a:effectLst/>
-                <a:latin typeface=" D2Coding ligature'"/>
-              </a:rPr>
-              <a:t># p</a:t>
-            </a:r>
-            <a:r>
-              <a:rPr lang="ko-KR" altLang="en-US" b="0" dirty="0">
-                <a:solidFill>
-                  <a:srgbClr val="505050"/>
-                </a:solidFill>
-                <a:effectLst/>
-                <a:latin typeface=" D2Coding ligature'"/>
-              </a:rPr>
-              <a:t>의 텍스트만 받아 </a:t>
-            </a:r>
-            <a:r>
-              <a:rPr lang="ko-KR" altLang="en-US" b="0" dirty="0" err="1">
-                <a:solidFill>
-                  <a:srgbClr val="505050"/>
-                </a:solidFill>
-                <a:effectLst/>
-                <a:latin typeface=" D2Coding ligature'"/>
-              </a:rPr>
-              <a:t>줄바꿈을</a:t>
-            </a:r>
-            <a:r>
-              <a:rPr lang="ko-KR" altLang="en-US" b="0" dirty="0">
-                <a:solidFill>
-                  <a:srgbClr val="505050"/>
-                </a:solidFill>
-                <a:effectLst/>
-                <a:latin typeface=" D2Coding ligature'"/>
-              </a:rPr>
-              <a:t> 없애고 저장하기</a:t>
-            </a:r>
-            <a:endParaRPr lang="ko-KR" altLang="en-US" b="0" dirty="0">
-              <a:solidFill>
-                <a:srgbClr val="D4D4D4"/>
-              </a:solidFill>
-              <a:effectLst/>
-              <a:latin typeface=" D2Coding ligature'"/>
-            </a:endParaRPr>
-          </a:p>
-          <a:p>
-            <a:r>
-              <a:rPr lang="ko-KR" altLang="en-US" b="0" dirty="0">
-                <a:solidFill>
-                  <a:srgbClr val="D4D4D4"/>
-                </a:solidFill>
-                <a:effectLst/>
-                <a:latin typeface=" D2Coding ligature'"/>
-              </a:rPr>
-              <a:t>    </a:t>
-            </a:r>
-            <a:r>
-              <a:rPr lang="en-US" altLang="ko-KR" b="0" dirty="0" err="1">
-                <a:solidFill>
-                  <a:srgbClr val="D4D4D4"/>
-                </a:solidFill>
-                <a:effectLst/>
-                <a:latin typeface=" D2Coding ligature'"/>
-              </a:rPr>
-              <a:t>samsung_stock</a:t>
-            </a:r>
-            <a:r>
-              <a:rPr lang="en-US" altLang="ko-KR" b="0" dirty="0">
-                <a:solidFill>
-                  <a:srgbClr val="D4D4D4"/>
-                </a:solidFill>
-                <a:effectLst/>
-                <a:latin typeface=" D2Coding ligature'"/>
-              </a:rPr>
-              <a:t> </a:t>
-            </a:r>
-            <a:r>
-              <a:rPr lang="en-US" altLang="ko-KR" b="0" dirty="0">
-                <a:solidFill>
-                  <a:srgbClr val="C586C0"/>
-                </a:solidFill>
-                <a:effectLst/>
-                <a:latin typeface=" D2Coding ligature'"/>
-              </a:rPr>
-              <a:t>=</a:t>
-            </a:r>
-            <a:r>
-              <a:rPr lang="en-US" altLang="ko-KR" b="0" dirty="0">
-                <a:solidFill>
-                  <a:srgbClr val="D4D4D4"/>
-                </a:solidFill>
-                <a:effectLst/>
-                <a:latin typeface=" D2Coding ligature'"/>
-              </a:rPr>
-              <a:t> </a:t>
-            </a:r>
-            <a:r>
-              <a:rPr lang="en-US" altLang="ko-KR" b="0" dirty="0" err="1">
-                <a:solidFill>
-                  <a:srgbClr val="D4D4D4"/>
-                </a:solidFill>
-                <a:effectLst/>
-                <a:latin typeface=" D2Coding ligature'"/>
-              </a:rPr>
-              <a:t>p</a:t>
-            </a:r>
-            <a:r>
-              <a:rPr lang="en-US" altLang="ko-KR" b="0" dirty="0" err="1">
-                <a:solidFill>
-                  <a:srgbClr val="C586C0"/>
-                </a:solidFill>
-                <a:effectLst/>
-                <a:latin typeface=" D2Coding ligature'"/>
-              </a:rPr>
-              <a:t>.</a:t>
-            </a:r>
-            <a:r>
-              <a:rPr lang="en-US" altLang="ko-KR" b="0" dirty="0" err="1">
-                <a:solidFill>
-                  <a:srgbClr val="D4D4D4"/>
-                </a:solidFill>
-                <a:effectLst/>
-                <a:latin typeface=" D2Coding ligature'"/>
-              </a:rPr>
-              <a:t>text</a:t>
-            </a:r>
-            <a:r>
-              <a:rPr lang="en-US" altLang="ko-KR" b="0" dirty="0" err="1">
-                <a:solidFill>
-                  <a:srgbClr val="C586C0"/>
-                </a:solidFill>
-                <a:effectLst/>
-                <a:latin typeface=" D2Coding ligature'"/>
-              </a:rPr>
-              <a:t>.</a:t>
-            </a:r>
-            <a:r>
-              <a:rPr lang="en-US" altLang="ko-KR" b="0" dirty="0" err="1">
-                <a:solidFill>
-                  <a:srgbClr val="DCDCAA"/>
-                </a:solidFill>
-                <a:effectLst/>
-                <a:latin typeface=" D2Coding ligature'"/>
-              </a:rPr>
-              <a:t>replace</a:t>
-            </a:r>
-            <a:r>
-              <a:rPr lang="en-US" altLang="ko-KR" b="0" dirty="0">
-                <a:solidFill>
-                  <a:srgbClr val="D4D4D4"/>
-                </a:solidFill>
-                <a:effectLst/>
-                <a:latin typeface=" D2Coding ligature'"/>
-              </a:rPr>
-              <a:t>(</a:t>
-            </a:r>
-            <a:r>
-              <a:rPr lang="en-US" altLang="ko-KR" b="0" dirty="0">
-                <a:solidFill>
-                  <a:srgbClr val="CE9178"/>
-                </a:solidFill>
-                <a:effectLst/>
-                <a:latin typeface=" D2Coding ligature'"/>
-              </a:rPr>
-              <a:t>'</a:t>
-            </a:r>
-            <a:r>
-              <a:rPr lang="en-US" altLang="ko-KR" b="0" dirty="0">
-                <a:solidFill>
-                  <a:srgbClr val="D7BA7D"/>
-                </a:solidFill>
-                <a:effectLst/>
-                <a:latin typeface=" D2Coding ligature'"/>
-              </a:rPr>
-              <a:t>\n</a:t>
-            </a:r>
-            <a:r>
-              <a:rPr lang="en-US" altLang="ko-KR" b="0" dirty="0">
-                <a:solidFill>
-                  <a:srgbClr val="CE9178"/>
-                </a:solidFill>
-                <a:effectLst/>
-                <a:latin typeface=" D2Coding ligature'"/>
-              </a:rPr>
-              <a:t>'</a:t>
-            </a:r>
-            <a:r>
-              <a:rPr lang="en-US" altLang="ko-KR" b="0" dirty="0">
-                <a:solidFill>
-                  <a:srgbClr val="D4D4D4"/>
-                </a:solidFill>
-                <a:effectLst/>
-                <a:latin typeface=" D2Coding ligature'"/>
-              </a:rPr>
-              <a:t>,</a:t>
-            </a:r>
-            <a:r>
-              <a:rPr lang="en-US" altLang="ko-KR" b="0" dirty="0">
-                <a:solidFill>
-                  <a:srgbClr val="CE9178"/>
-                </a:solidFill>
-                <a:effectLst/>
-                <a:latin typeface=" D2Coding ligature'"/>
-              </a:rPr>
-              <a:t>''</a:t>
-            </a:r>
-            <a:r>
-              <a:rPr lang="en-US" altLang="ko-KR" b="0" dirty="0">
-                <a:solidFill>
-                  <a:srgbClr val="D4D4D4"/>
-                </a:solidFill>
-                <a:effectLst/>
-                <a:latin typeface=" D2Coding ligature'"/>
-              </a:rPr>
-              <a:t>)</a:t>
-            </a:r>
-          </a:p>
-          <a:p>
-            <a:r>
-              <a:rPr lang="en-US" altLang="ko-KR" b="0" dirty="0">
-                <a:solidFill>
-                  <a:srgbClr val="D4D4D4"/>
-                </a:solidFill>
-                <a:effectLst/>
-                <a:latin typeface=" D2Coding ligature'"/>
-              </a:rPr>
-              <a:t>    </a:t>
-            </a:r>
-            <a:r>
-              <a:rPr lang="en-US" altLang="ko-KR" b="0" dirty="0">
-                <a:solidFill>
-                  <a:srgbClr val="505050"/>
-                </a:solidFill>
-                <a:effectLst/>
-                <a:latin typeface=" D2Coding ligature'"/>
-              </a:rPr>
-              <a:t># </a:t>
-            </a:r>
-            <a:r>
-              <a:rPr lang="ko-KR" altLang="en-US" b="0" dirty="0">
-                <a:solidFill>
-                  <a:srgbClr val="505050"/>
-                </a:solidFill>
-                <a:effectLst/>
-                <a:latin typeface=" D2Coding ligature'"/>
-              </a:rPr>
-              <a:t>현재시간을 저장하기</a:t>
-            </a:r>
-            <a:endParaRPr lang="ko-KR" altLang="en-US" b="0" dirty="0">
-              <a:solidFill>
-                <a:srgbClr val="D4D4D4"/>
-              </a:solidFill>
-              <a:effectLst/>
-              <a:latin typeface=" D2Coding ligature'"/>
-            </a:endParaRPr>
-          </a:p>
-          <a:p>
-            <a:r>
-              <a:rPr lang="ko-KR" altLang="en-US" b="0" dirty="0">
-                <a:solidFill>
-                  <a:srgbClr val="D4D4D4"/>
-                </a:solidFill>
-                <a:effectLst/>
-                <a:latin typeface=" D2Coding ligature'"/>
-              </a:rPr>
-              <a:t>    </a:t>
-            </a:r>
-            <a:r>
-              <a:rPr lang="en-US" altLang="ko-KR" b="0" dirty="0">
-                <a:solidFill>
-                  <a:srgbClr val="D4D4D4"/>
-                </a:solidFill>
-                <a:effectLst/>
-                <a:latin typeface=" D2Coding ligature'"/>
-              </a:rPr>
-              <a:t>now </a:t>
-            </a:r>
-            <a:r>
-              <a:rPr lang="en-US" altLang="ko-KR" b="0" dirty="0">
-                <a:solidFill>
-                  <a:srgbClr val="C586C0"/>
-                </a:solidFill>
-                <a:effectLst/>
-                <a:latin typeface=" D2Coding ligature'"/>
-              </a:rPr>
-              <a:t>=</a:t>
-            </a:r>
-            <a:r>
-              <a:rPr lang="en-US" altLang="ko-KR" b="0" dirty="0">
-                <a:solidFill>
-                  <a:srgbClr val="D4D4D4"/>
-                </a:solidFill>
-                <a:effectLst/>
-                <a:latin typeface=" D2Coding ligature'"/>
-              </a:rPr>
-              <a:t> </a:t>
-            </a:r>
-            <a:r>
-              <a:rPr lang="en-US" altLang="ko-KR" b="0" dirty="0" err="1">
-                <a:solidFill>
-                  <a:srgbClr val="D4D4D4"/>
-                </a:solidFill>
-                <a:effectLst/>
-                <a:latin typeface=" D2Coding ligature'"/>
-              </a:rPr>
-              <a:t>datetime</a:t>
-            </a:r>
-            <a:r>
-              <a:rPr lang="en-US" altLang="ko-KR" b="0" dirty="0" err="1">
-                <a:solidFill>
-                  <a:srgbClr val="C586C0"/>
-                </a:solidFill>
-                <a:effectLst/>
-                <a:latin typeface=" D2Coding ligature'"/>
-              </a:rPr>
-              <a:t>.</a:t>
-            </a:r>
-            <a:r>
-              <a:rPr lang="en-US" altLang="ko-KR" b="0" dirty="0" err="1">
-                <a:solidFill>
-                  <a:srgbClr val="DCDCAA"/>
-                </a:solidFill>
-                <a:effectLst/>
-                <a:latin typeface=" D2Coding ligature'"/>
-              </a:rPr>
-              <a:t>now</a:t>
-            </a:r>
-            <a:r>
-              <a:rPr lang="en-US" altLang="ko-KR" b="0" dirty="0">
-                <a:solidFill>
-                  <a:srgbClr val="D4D4D4"/>
-                </a:solidFill>
-                <a:effectLst/>
-                <a:latin typeface=" D2Coding ligature'"/>
-              </a:rPr>
-              <a:t>()</a:t>
-            </a:r>
-          </a:p>
-          <a:p>
-            <a:r>
-              <a:rPr lang="en-US" altLang="ko-KR" b="0" dirty="0">
-                <a:solidFill>
-                  <a:srgbClr val="D4D4D4"/>
-                </a:solidFill>
-                <a:effectLst/>
-                <a:latin typeface=" D2Coding ligature'"/>
-              </a:rPr>
-              <a:t>    text </a:t>
-            </a:r>
-            <a:r>
-              <a:rPr lang="en-US" altLang="ko-KR" b="0" dirty="0">
-                <a:solidFill>
-                  <a:srgbClr val="C586C0"/>
-                </a:solidFill>
-                <a:effectLst/>
-                <a:latin typeface=" D2Coding ligature'"/>
-              </a:rPr>
-              <a:t>=</a:t>
-            </a:r>
-            <a:r>
-              <a:rPr lang="en-US" altLang="ko-KR" b="0" dirty="0">
-                <a:solidFill>
-                  <a:srgbClr val="D4D4D4"/>
-                </a:solidFill>
-                <a:effectLst/>
-                <a:latin typeface=" D2Coding ligature'"/>
-              </a:rPr>
-              <a:t> </a:t>
-            </a:r>
-            <a:r>
-              <a:rPr lang="en-US" altLang="ko-KR" b="0" i="1" dirty="0">
-                <a:solidFill>
-                  <a:srgbClr val="569CD6"/>
-                </a:solidFill>
-                <a:effectLst/>
-                <a:latin typeface=" D2Coding ligature'"/>
-              </a:rPr>
-              <a:t>f</a:t>
-            </a:r>
-            <a:r>
-              <a:rPr lang="en-US" altLang="ko-KR" b="0" dirty="0">
-                <a:solidFill>
-                  <a:srgbClr val="CE9178"/>
-                </a:solidFill>
-                <a:effectLst/>
-                <a:latin typeface=" D2Coding ligature'"/>
-              </a:rPr>
-              <a:t>"</a:t>
-            </a:r>
-            <a:r>
-              <a:rPr lang="en-US" altLang="ko-KR" b="0" dirty="0">
-                <a:solidFill>
-                  <a:srgbClr val="569CD6"/>
-                </a:solidFill>
-                <a:effectLst/>
-                <a:latin typeface=" D2Coding ligature'"/>
-              </a:rPr>
-              <a:t>{</a:t>
-            </a:r>
-            <a:r>
-              <a:rPr lang="en-US" altLang="ko-KR" b="0" dirty="0" err="1">
-                <a:solidFill>
-                  <a:srgbClr val="D4D4D4"/>
-                </a:solidFill>
-                <a:effectLst/>
-                <a:latin typeface=" D2Coding ligature'"/>
-              </a:rPr>
-              <a:t>now</a:t>
-            </a:r>
-            <a:r>
-              <a:rPr lang="en-US" altLang="ko-KR" b="0" dirty="0" err="1">
-                <a:solidFill>
-                  <a:srgbClr val="C586C0"/>
-                </a:solidFill>
-                <a:effectLst/>
-                <a:latin typeface=" D2Coding ligature'"/>
-              </a:rPr>
-              <a:t>.</a:t>
-            </a:r>
-            <a:r>
-              <a:rPr lang="en-US" altLang="ko-KR" b="0" dirty="0" err="1">
-                <a:solidFill>
-                  <a:srgbClr val="D4D4D4"/>
-                </a:solidFill>
-                <a:effectLst/>
-                <a:latin typeface=" D2Coding ligature'"/>
-              </a:rPr>
-              <a:t>hour</a:t>
-            </a:r>
-            <a:r>
-              <a:rPr lang="en-US" altLang="ko-KR" b="0" dirty="0">
-                <a:solidFill>
-                  <a:srgbClr val="569CD6"/>
-                </a:solidFill>
-                <a:effectLst/>
-                <a:latin typeface=" D2Coding ligature'"/>
-              </a:rPr>
-              <a:t>}</a:t>
-            </a:r>
-            <a:r>
-              <a:rPr lang="en-US" altLang="ko-KR" b="0" dirty="0">
-                <a:solidFill>
-                  <a:srgbClr val="CE9178"/>
-                </a:solidFill>
-                <a:effectLst/>
-                <a:latin typeface=" D2Coding ligature'"/>
-              </a:rPr>
-              <a:t>:</a:t>
-            </a:r>
-            <a:r>
-              <a:rPr lang="en-US" altLang="ko-KR" b="0" dirty="0">
-                <a:solidFill>
-                  <a:srgbClr val="569CD6"/>
-                </a:solidFill>
-                <a:effectLst/>
-                <a:latin typeface=" D2Coding ligature'"/>
-              </a:rPr>
-              <a:t>{</a:t>
-            </a:r>
-            <a:r>
-              <a:rPr lang="en-US" altLang="ko-KR" b="0" dirty="0" err="1">
-                <a:solidFill>
-                  <a:srgbClr val="D4D4D4"/>
-                </a:solidFill>
-                <a:effectLst/>
-                <a:latin typeface=" D2Coding ligature'"/>
-              </a:rPr>
-              <a:t>now</a:t>
-            </a:r>
-            <a:r>
-              <a:rPr lang="en-US" altLang="ko-KR" b="0" dirty="0" err="1">
-                <a:solidFill>
-                  <a:srgbClr val="C586C0"/>
-                </a:solidFill>
-                <a:effectLst/>
-                <a:latin typeface=" D2Coding ligature'"/>
-              </a:rPr>
-              <a:t>.</a:t>
-            </a:r>
-            <a:r>
-              <a:rPr lang="en-US" altLang="ko-KR" b="0" dirty="0" err="1">
-                <a:solidFill>
-                  <a:srgbClr val="D4D4D4"/>
-                </a:solidFill>
-                <a:effectLst/>
-                <a:latin typeface=" D2Coding ligature'"/>
-              </a:rPr>
-              <a:t>minute</a:t>
-            </a:r>
-            <a:r>
-              <a:rPr lang="en-US" altLang="ko-KR" b="0" dirty="0">
-                <a:solidFill>
-                  <a:srgbClr val="569CD6"/>
-                </a:solidFill>
-                <a:effectLst/>
-                <a:latin typeface=" D2Coding ligature'"/>
-              </a:rPr>
-              <a:t>}</a:t>
-            </a:r>
-            <a:r>
-              <a:rPr lang="en-US" altLang="ko-KR" b="0" dirty="0">
-                <a:solidFill>
-                  <a:srgbClr val="CE9178"/>
-                </a:solidFill>
-                <a:effectLst/>
-                <a:latin typeface=" D2Coding ligature'"/>
-              </a:rPr>
-              <a:t>:</a:t>
-            </a:r>
-            <a:r>
-              <a:rPr lang="en-US" altLang="ko-KR" b="0" dirty="0">
-                <a:solidFill>
-                  <a:srgbClr val="569CD6"/>
-                </a:solidFill>
-                <a:effectLst/>
-                <a:latin typeface=" D2Coding ligature'"/>
-              </a:rPr>
-              <a:t>{</a:t>
-            </a:r>
-            <a:r>
-              <a:rPr lang="en-US" altLang="ko-KR" b="0" dirty="0" err="1">
-                <a:solidFill>
-                  <a:srgbClr val="D4D4D4"/>
-                </a:solidFill>
-                <a:effectLst/>
-                <a:latin typeface=" D2Coding ligature'"/>
-              </a:rPr>
-              <a:t>now</a:t>
-            </a:r>
-            <a:r>
-              <a:rPr lang="en-US" altLang="ko-KR" b="0" dirty="0" err="1">
-                <a:solidFill>
-                  <a:srgbClr val="C586C0"/>
-                </a:solidFill>
-                <a:effectLst/>
-                <a:latin typeface=" D2Coding ligature'"/>
-              </a:rPr>
-              <a:t>.</a:t>
-            </a:r>
-            <a:r>
-              <a:rPr lang="en-US" altLang="ko-KR" b="0" dirty="0" err="1">
-                <a:solidFill>
-                  <a:srgbClr val="D4D4D4"/>
-                </a:solidFill>
-                <a:effectLst/>
-                <a:latin typeface=" D2Coding ligature'"/>
-              </a:rPr>
-              <a:t>second</a:t>
-            </a:r>
-            <a:r>
-              <a:rPr lang="en-US" altLang="ko-KR" b="0" dirty="0">
-                <a:solidFill>
-                  <a:srgbClr val="569CD6"/>
-                </a:solidFill>
-                <a:effectLst/>
-                <a:latin typeface=" D2Coding ligature'"/>
-              </a:rPr>
-              <a:t>}</a:t>
-            </a:r>
-            <a:r>
-              <a:rPr lang="en-US" altLang="ko-KR" b="0" dirty="0">
-                <a:solidFill>
-                  <a:srgbClr val="CE9178"/>
-                </a:solidFill>
-                <a:effectLst/>
-                <a:latin typeface=" D2Coding ligature'"/>
-              </a:rPr>
-              <a:t>,</a:t>
-            </a:r>
-            <a:r>
-              <a:rPr lang="ko-KR" altLang="en-US" b="0" dirty="0">
-                <a:solidFill>
-                  <a:srgbClr val="CE9178"/>
-                </a:solidFill>
-                <a:effectLst/>
-                <a:latin typeface=" D2Coding ligature'"/>
-              </a:rPr>
-              <a:t>삼성전자</a:t>
-            </a:r>
-            <a:r>
-              <a:rPr lang="en-US" altLang="ko-KR" b="0" dirty="0">
-                <a:solidFill>
-                  <a:srgbClr val="CE9178"/>
-                </a:solidFill>
-                <a:effectLst/>
-                <a:latin typeface=" D2Coding ligature'"/>
-              </a:rPr>
-              <a:t>,</a:t>
-            </a:r>
-            <a:r>
-              <a:rPr lang="en-US" altLang="ko-KR" b="0" dirty="0">
-                <a:solidFill>
-                  <a:srgbClr val="D7BA7D"/>
-                </a:solidFill>
-                <a:effectLst/>
-                <a:latin typeface=" D2Coding ligature'"/>
-              </a:rPr>
-              <a:t>\"</a:t>
-            </a:r>
-            <a:r>
-              <a:rPr lang="en-US" altLang="ko-KR" b="0" dirty="0">
-                <a:solidFill>
-                  <a:srgbClr val="569CD6"/>
-                </a:solidFill>
-                <a:effectLst/>
-                <a:latin typeface=" D2Coding ligature'"/>
-              </a:rPr>
-              <a:t>{</a:t>
-            </a:r>
-            <a:r>
-              <a:rPr lang="en-US" altLang="ko-KR" b="0" dirty="0" err="1">
-                <a:solidFill>
-                  <a:srgbClr val="D4D4D4"/>
-                </a:solidFill>
-                <a:effectLst/>
-                <a:latin typeface=" D2Coding ligature'"/>
-              </a:rPr>
-              <a:t>samsung_stock</a:t>
-            </a:r>
-            <a:r>
-              <a:rPr lang="en-US" altLang="ko-KR" b="0" dirty="0">
-                <a:solidFill>
-                  <a:srgbClr val="569CD6"/>
-                </a:solidFill>
-                <a:effectLst/>
-                <a:latin typeface=" D2Coding ligature'"/>
-              </a:rPr>
-              <a:t>}</a:t>
-            </a:r>
-            <a:r>
-              <a:rPr lang="en-US" altLang="ko-KR" b="0" dirty="0">
-                <a:solidFill>
-                  <a:srgbClr val="D7BA7D"/>
-                </a:solidFill>
-                <a:effectLst/>
-                <a:latin typeface=" D2Coding ligature'"/>
-              </a:rPr>
-              <a:t>\"\n</a:t>
-            </a:r>
-            <a:r>
-              <a:rPr lang="en-US" altLang="ko-KR" b="0" dirty="0">
-                <a:solidFill>
-                  <a:srgbClr val="CE9178"/>
-                </a:solidFill>
-                <a:effectLst/>
-                <a:latin typeface=" D2Coding ligature'"/>
-              </a:rPr>
-              <a:t>"</a:t>
-            </a:r>
-            <a:endParaRPr lang="en-US" altLang="ko-KR" b="0" dirty="0">
-              <a:solidFill>
-                <a:srgbClr val="D4D4D4"/>
-              </a:solidFill>
-              <a:effectLst/>
-              <a:latin typeface=" D2Coding ligature'"/>
-            </a:endParaRPr>
-          </a:p>
-          <a:p>
-            <a:r>
-              <a:rPr lang="en-US" altLang="ko-KR" b="0" dirty="0">
-                <a:solidFill>
-                  <a:srgbClr val="D4D4D4"/>
-                </a:solidFill>
-                <a:effectLst/>
-                <a:latin typeface=" D2Coding ligature'"/>
-              </a:rPr>
-              <a:t>    </a:t>
-            </a:r>
-            <a:r>
-              <a:rPr lang="en-US" altLang="ko-KR" b="0" dirty="0">
-                <a:solidFill>
-                  <a:srgbClr val="505050"/>
-                </a:solidFill>
-                <a:effectLst/>
-                <a:latin typeface=" D2Coding ligature'"/>
-              </a:rPr>
-              <a:t># </a:t>
-            </a:r>
-            <a:r>
-              <a:rPr lang="ko-KR" altLang="en-US" b="0" dirty="0">
-                <a:solidFill>
-                  <a:srgbClr val="505050"/>
-                </a:solidFill>
-                <a:effectLst/>
-                <a:latin typeface=" D2Coding ligature'"/>
-              </a:rPr>
-              <a:t>파일을 추가 쓰기모드로 열어 </a:t>
-            </a:r>
-            <a:r>
-              <a:rPr lang="en-US" altLang="ko-KR" b="0" dirty="0">
-                <a:solidFill>
-                  <a:srgbClr val="505050"/>
-                </a:solidFill>
-                <a:effectLst/>
-                <a:latin typeface=" D2Coding ligature'"/>
-              </a:rPr>
-              <a:t>text</a:t>
-            </a:r>
-            <a:r>
-              <a:rPr lang="ko-KR" altLang="en-US" b="0" dirty="0">
-                <a:solidFill>
-                  <a:srgbClr val="505050"/>
-                </a:solidFill>
-                <a:effectLst/>
-                <a:latin typeface=" D2Coding ligature'"/>
-              </a:rPr>
-              <a:t>를 저장하고 닫는다</a:t>
-            </a:r>
-            <a:r>
-              <a:rPr lang="en-US" altLang="ko-KR" b="0" dirty="0">
-                <a:solidFill>
-                  <a:srgbClr val="505050"/>
-                </a:solidFill>
-                <a:effectLst/>
-                <a:latin typeface=" D2Coding ligature'"/>
-              </a:rPr>
-              <a:t>.(</a:t>
-            </a:r>
-            <a:r>
-              <a:rPr lang="ko-KR" altLang="en-US" b="0" dirty="0">
-                <a:solidFill>
-                  <a:srgbClr val="505050"/>
-                </a:solidFill>
-                <a:effectLst/>
-                <a:latin typeface=" D2Coding ligature'"/>
-              </a:rPr>
-              <a:t>없으면 만든다</a:t>
-            </a:r>
-            <a:r>
-              <a:rPr lang="en-US" altLang="ko-KR" b="0" dirty="0">
-                <a:solidFill>
-                  <a:srgbClr val="505050"/>
-                </a:solidFill>
-                <a:effectLst/>
-                <a:latin typeface=" D2Coding ligature'"/>
-              </a:rPr>
-              <a:t>)</a:t>
-            </a:r>
-            <a:endParaRPr lang="ko-KR" altLang="en-US" b="0" dirty="0">
-              <a:solidFill>
-                <a:srgbClr val="D4D4D4"/>
-              </a:solidFill>
-              <a:effectLst/>
-              <a:latin typeface=" D2Coding ligature'"/>
-            </a:endParaRPr>
-          </a:p>
-          <a:p>
-            <a:r>
-              <a:rPr lang="ko-KR" altLang="en-US" b="0" dirty="0">
-                <a:solidFill>
-                  <a:srgbClr val="D4D4D4"/>
-                </a:solidFill>
-                <a:effectLst/>
-                <a:latin typeface=" D2Coding ligature'"/>
-              </a:rPr>
-              <a:t>    </a:t>
-            </a:r>
-            <a:r>
-              <a:rPr lang="en-US" altLang="ko-KR" b="0" dirty="0">
-                <a:solidFill>
-                  <a:srgbClr val="C586C0"/>
-                </a:solidFill>
-                <a:effectLst/>
-                <a:latin typeface=" D2Coding ligature'"/>
-              </a:rPr>
-              <a:t>with</a:t>
-            </a:r>
-            <a:r>
-              <a:rPr lang="en-US" altLang="ko-KR" b="0" dirty="0">
-                <a:solidFill>
-                  <a:srgbClr val="D4D4D4"/>
-                </a:solidFill>
-                <a:effectLst/>
-                <a:latin typeface=" D2Coding ligature'"/>
-              </a:rPr>
-              <a:t> </a:t>
-            </a:r>
-            <a:r>
-              <a:rPr lang="en-US" altLang="ko-KR" b="0" dirty="0">
-                <a:solidFill>
-                  <a:srgbClr val="DCDCAA"/>
-                </a:solidFill>
-                <a:effectLst/>
-                <a:latin typeface=" D2Coding ligature'"/>
-              </a:rPr>
-              <a:t>open</a:t>
-            </a:r>
-            <a:r>
-              <a:rPr lang="en-US" altLang="ko-KR" b="0" dirty="0">
-                <a:solidFill>
-                  <a:srgbClr val="D4D4D4"/>
-                </a:solidFill>
-                <a:effectLst/>
-                <a:latin typeface=" D2Coding ligature'"/>
-              </a:rPr>
-              <a:t>(</a:t>
-            </a:r>
-            <a:r>
-              <a:rPr lang="en-US" altLang="ko-KR" b="0" i="1" dirty="0">
-                <a:solidFill>
-                  <a:srgbClr val="569CD6"/>
-                </a:solidFill>
-                <a:effectLst/>
-                <a:latin typeface=" D2Coding ligature'"/>
-              </a:rPr>
-              <a:t>f</a:t>
-            </a:r>
-            <a:r>
-              <a:rPr lang="en-US" altLang="ko-KR" b="0" dirty="0">
-                <a:solidFill>
-                  <a:srgbClr val="CE9178"/>
-                </a:solidFill>
-                <a:effectLst/>
-                <a:latin typeface=" D2Coding ligature'"/>
-              </a:rPr>
-              <a:t>"</a:t>
-            </a:r>
-            <a:r>
-              <a:rPr lang="ko-KR" altLang="en-US" b="0" dirty="0">
-                <a:solidFill>
-                  <a:srgbClr val="CE9178"/>
-                </a:solidFill>
-                <a:effectLst/>
-                <a:latin typeface=" D2Coding ligature'"/>
-              </a:rPr>
-              <a:t>삼성주가 </a:t>
-            </a:r>
-            <a:r>
-              <a:rPr lang="en-US" altLang="ko-KR" b="0" dirty="0">
-                <a:solidFill>
-                  <a:srgbClr val="569CD6"/>
-                </a:solidFill>
-                <a:effectLst/>
-                <a:latin typeface=" D2Coding ligature'"/>
-              </a:rPr>
-              <a:t>{</a:t>
-            </a:r>
-            <a:r>
-              <a:rPr lang="en-US" altLang="ko-KR" b="0" dirty="0" err="1">
-                <a:solidFill>
-                  <a:srgbClr val="9CDCFE"/>
-                </a:solidFill>
-                <a:effectLst/>
-                <a:latin typeface=" D2Coding ligature'"/>
-              </a:rPr>
-              <a:t>now</a:t>
-            </a:r>
-            <a:r>
-              <a:rPr lang="en-US" altLang="ko-KR" b="0" dirty="0" err="1">
-                <a:solidFill>
-                  <a:srgbClr val="C586C0"/>
-                </a:solidFill>
-                <a:effectLst/>
-                <a:latin typeface=" D2Coding ligature'"/>
-              </a:rPr>
-              <a:t>.</a:t>
-            </a:r>
-            <a:r>
-              <a:rPr lang="en-US" altLang="ko-KR" b="0" dirty="0" err="1">
-                <a:solidFill>
-                  <a:srgbClr val="9CDCFE"/>
-                </a:solidFill>
-                <a:effectLst/>
-                <a:latin typeface=" D2Coding ligature'"/>
-              </a:rPr>
-              <a:t>year</a:t>
-            </a:r>
-            <a:r>
-              <a:rPr lang="en-US" altLang="ko-KR" b="0" dirty="0">
-                <a:solidFill>
-                  <a:srgbClr val="569CD6"/>
-                </a:solidFill>
-                <a:effectLst/>
-                <a:latin typeface=" D2Coding ligature'"/>
-              </a:rPr>
-              <a:t>}</a:t>
-            </a:r>
-            <a:r>
-              <a:rPr lang="ko-KR" altLang="en-US" b="0" dirty="0">
-                <a:solidFill>
-                  <a:srgbClr val="CE9178"/>
-                </a:solidFill>
-                <a:effectLst/>
-                <a:latin typeface=" D2Coding ligature'"/>
-              </a:rPr>
-              <a:t>년 </a:t>
-            </a:r>
-            <a:r>
-              <a:rPr lang="en-US" altLang="ko-KR" b="0" dirty="0">
-                <a:solidFill>
-                  <a:srgbClr val="569CD6"/>
-                </a:solidFill>
-                <a:effectLst/>
-                <a:latin typeface=" D2Coding ligature'"/>
-              </a:rPr>
-              <a:t>{</a:t>
-            </a:r>
-            <a:r>
-              <a:rPr lang="en-US" altLang="ko-KR" b="0" dirty="0" err="1">
-                <a:solidFill>
-                  <a:srgbClr val="9CDCFE"/>
-                </a:solidFill>
-                <a:effectLst/>
-                <a:latin typeface=" D2Coding ligature'"/>
-              </a:rPr>
-              <a:t>now</a:t>
-            </a:r>
-            <a:r>
-              <a:rPr lang="en-US" altLang="ko-KR" b="0" dirty="0" err="1">
-                <a:solidFill>
-                  <a:srgbClr val="C586C0"/>
-                </a:solidFill>
-                <a:effectLst/>
-                <a:latin typeface=" D2Coding ligature'"/>
-              </a:rPr>
-              <a:t>.</a:t>
-            </a:r>
-            <a:r>
-              <a:rPr lang="en-US" altLang="ko-KR" b="0" dirty="0" err="1">
-                <a:solidFill>
-                  <a:srgbClr val="9CDCFE"/>
-                </a:solidFill>
-                <a:effectLst/>
-                <a:latin typeface=" D2Coding ligature'"/>
-              </a:rPr>
-              <a:t>month</a:t>
-            </a:r>
-            <a:r>
-              <a:rPr lang="en-US" altLang="ko-KR" b="0" dirty="0">
-                <a:solidFill>
-                  <a:srgbClr val="569CD6"/>
-                </a:solidFill>
-                <a:effectLst/>
-                <a:latin typeface=" D2Coding ligature'"/>
-              </a:rPr>
-              <a:t>}</a:t>
-            </a:r>
-            <a:r>
-              <a:rPr lang="ko-KR" altLang="en-US" b="0" dirty="0">
-                <a:solidFill>
-                  <a:srgbClr val="CE9178"/>
-                </a:solidFill>
-                <a:effectLst/>
-                <a:latin typeface=" D2Coding ligature'"/>
-              </a:rPr>
-              <a:t>월 </a:t>
-            </a:r>
-            <a:r>
-              <a:rPr lang="en-US" altLang="ko-KR" b="0" dirty="0">
-                <a:solidFill>
-                  <a:srgbClr val="569CD6"/>
-                </a:solidFill>
-                <a:effectLst/>
-                <a:latin typeface=" D2Coding ligature'"/>
-              </a:rPr>
-              <a:t>{</a:t>
-            </a:r>
-            <a:r>
-              <a:rPr lang="en-US" altLang="ko-KR" b="0" dirty="0" err="1">
-                <a:solidFill>
-                  <a:srgbClr val="9CDCFE"/>
-                </a:solidFill>
-                <a:effectLst/>
-                <a:latin typeface=" D2Coding ligature'"/>
-              </a:rPr>
-              <a:t>now</a:t>
-            </a:r>
-            <a:r>
-              <a:rPr lang="en-US" altLang="ko-KR" b="0" dirty="0" err="1">
-                <a:solidFill>
-                  <a:srgbClr val="C586C0"/>
-                </a:solidFill>
-                <a:effectLst/>
-                <a:latin typeface=" D2Coding ligature'"/>
-              </a:rPr>
-              <a:t>.</a:t>
-            </a:r>
-            <a:r>
-              <a:rPr lang="en-US" altLang="ko-KR" b="0" dirty="0" err="1">
-                <a:solidFill>
-                  <a:srgbClr val="9CDCFE"/>
-                </a:solidFill>
-                <a:effectLst/>
-                <a:latin typeface=" D2Coding ligature'"/>
-              </a:rPr>
-              <a:t>day</a:t>
-            </a:r>
-            <a:r>
-              <a:rPr lang="en-US" altLang="ko-KR" b="0" dirty="0">
-                <a:solidFill>
-                  <a:srgbClr val="569CD6"/>
-                </a:solidFill>
-                <a:effectLst/>
-                <a:latin typeface=" D2Coding ligature'"/>
-              </a:rPr>
-              <a:t>}</a:t>
-            </a:r>
-            <a:r>
-              <a:rPr lang="ko-KR" altLang="en-US" b="0" dirty="0">
-                <a:solidFill>
-                  <a:srgbClr val="CE9178"/>
-                </a:solidFill>
-                <a:effectLst/>
-                <a:latin typeface=" D2Coding ligature'"/>
-              </a:rPr>
-              <a:t>일</a:t>
-            </a:r>
-            <a:r>
-              <a:rPr lang="en-US" altLang="ko-KR" b="0" dirty="0">
-                <a:solidFill>
-                  <a:srgbClr val="CE9178"/>
-                </a:solidFill>
-                <a:effectLst/>
-                <a:latin typeface=" D2Coding ligature'"/>
-              </a:rPr>
-              <a:t>.</a:t>
-            </a:r>
-            <a:r>
-              <a:rPr lang="en-US" altLang="ko-KR" b="0" dirty="0" err="1">
-                <a:solidFill>
-                  <a:srgbClr val="CE9178"/>
-                </a:solidFill>
-                <a:effectLst/>
-                <a:latin typeface=" D2Coding ligature'"/>
-              </a:rPr>
-              <a:t>txt"</a:t>
-            </a:r>
-            <a:r>
-              <a:rPr lang="en-US" altLang="ko-KR" b="0" dirty="0" err="1">
-                <a:solidFill>
-                  <a:srgbClr val="D4D4D4"/>
-                </a:solidFill>
-                <a:effectLst/>
-                <a:latin typeface=" D2Coding ligature'"/>
-              </a:rPr>
-              <a:t>,</a:t>
-            </a:r>
-            <a:r>
-              <a:rPr lang="en-US" altLang="ko-KR" b="0" dirty="0" err="1">
-                <a:solidFill>
-                  <a:srgbClr val="CE9178"/>
-                </a:solidFill>
-                <a:effectLst/>
-                <a:latin typeface=" D2Coding ligature'"/>
-              </a:rPr>
-              <a:t>'a</a:t>
-            </a:r>
-            <a:r>
-              <a:rPr lang="en-US" altLang="ko-KR" b="0" dirty="0">
-                <a:solidFill>
-                  <a:srgbClr val="CE9178"/>
-                </a:solidFill>
-                <a:effectLst/>
-                <a:latin typeface=" D2Coding ligature'"/>
-              </a:rPr>
-              <a:t>'</a:t>
-            </a:r>
-            <a:r>
-              <a:rPr lang="en-US" altLang="ko-KR" b="0" dirty="0">
-                <a:solidFill>
-                  <a:srgbClr val="D4D4D4"/>
-                </a:solidFill>
-                <a:effectLst/>
-                <a:latin typeface=" D2Coding ligature'"/>
-              </a:rPr>
-              <a:t>) </a:t>
-            </a:r>
-            <a:r>
-              <a:rPr lang="en-US" altLang="ko-KR" b="0" dirty="0">
-                <a:solidFill>
-                  <a:srgbClr val="C586C0"/>
-                </a:solidFill>
-                <a:effectLst/>
-                <a:latin typeface=" D2Coding ligature'"/>
-              </a:rPr>
-              <a:t>as</a:t>
-            </a:r>
-            <a:r>
-              <a:rPr lang="en-US" altLang="ko-KR" b="0" dirty="0">
-                <a:solidFill>
-                  <a:srgbClr val="D4D4D4"/>
-                </a:solidFill>
-                <a:effectLst/>
-                <a:latin typeface=" D2Coding ligature'"/>
-              </a:rPr>
-              <a:t> f</a:t>
-            </a:r>
-            <a:r>
-              <a:rPr lang="en-US" altLang="ko-KR" b="0" dirty="0">
-                <a:solidFill>
-                  <a:srgbClr val="C586C0"/>
-                </a:solidFill>
-                <a:effectLst/>
-                <a:latin typeface=" D2Coding ligature'"/>
-              </a:rPr>
-              <a:t>:</a:t>
-            </a:r>
-            <a:endParaRPr lang="en-US" altLang="ko-KR" b="0" dirty="0">
-              <a:solidFill>
-                <a:srgbClr val="D4D4D4"/>
-              </a:solidFill>
-              <a:effectLst/>
-              <a:latin typeface=" D2Coding ligature'"/>
-            </a:endParaRPr>
-          </a:p>
-          <a:p>
-            <a:r>
-              <a:rPr lang="en-US" altLang="ko-KR" b="0" dirty="0">
-                <a:solidFill>
-                  <a:srgbClr val="D4D4D4"/>
-                </a:solidFill>
-                <a:effectLst/>
-                <a:latin typeface=" D2Coding ligature'"/>
-              </a:rPr>
-              <a:t>        </a:t>
-            </a:r>
-            <a:r>
-              <a:rPr lang="en-US" altLang="ko-KR" b="0" dirty="0" err="1">
-                <a:solidFill>
-                  <a:srgbClr val="D4D4D4"/>
-                </a:solidFill>
-                <a:effectLst/>
-                <a:latin typeface=" D2Coding ligature'"/>
-              </a:rPr>
-              <a:t>f</a:t>
-            </a:r>
-            <a:r>
-              <a:rPr lang="en-US" altLang="ko-KR" b="0" dirty="0" err="1">
-                <a:solidFill>
-                  <a:srgbClr val="C586C0"/>
-                </a:solidFill>
-                <a:effectLst/>
-                <a:latin typeface=" D2Coding ligature'"/>
-              </a:rPr>
-              <a:t>.</a:t>
-            </a:r>
-            <a:r>
-              <a:rPr lang="en-US" altLang="ko-KR" b="0" dirty="0" err="1">
-                <a:solidFill>
-                  <a:srgbClr val="DCDCAA"/>
-                </a:solidFill>
-                <a:effectLst/>
-                <a:latin typeface=" D2Coding ligature'"/>
-              </a:rPr>
-              <a:t>write</a:t>
-            </a:r>
-            <a:r>
-              <a:rPr lang="en-US" altLang="ko-KR" b="0" dirty="0">
-                <a:solidFill>
-                  <a:srgbClr val="D4D4D4"/>
-                </a:solidFill>
-                <a:effectLst/>
-                <a:latin typeface=" D2Coding ligature'"/>
-              </a:rPr>
-              <a:t>(</a:t>
-            </a:r>
-            <a:r>
-              <a:rPr lang="en-US" altLang="ko-KR" b="0" dirty="0">
-                <a:solidFill>
-                  <a:srgbClr val="9CDCFE"/>
-                </a:solidFill>
-                <a:effectLst/>
-                <a:latin typeface=" D2Coding ligature'"/>
-              </a:rPr>
-              <a:t>text</a:t>
-            </a:r>
-            <a:r>
-              <a:rPr lang="en-US" altLang="ko-KR" b="0" dirty="0">
-                <a:solidFill>
-                  <a:srgbClr val="D4D4D4"/>
-                </a:solidFill>
-                <a:effectLst/>
-                <a:latin typeface=" D2Coding ligature'"/>
-              </a:rPr>
-              <a:t>)</a:t>
-            </a:r>
-          </a:p>
-          <a:p>
-            <a:r>
-              <a:rPr lang="en-US" altLang="ko-KR" b="0" dirty="0">
-                <a:solidFill>
-                  <a:srgbClr val="D4D4D4"/>
-                </a:solidFill>
-                <a:effectLst/>
-                <a:latin typeface=" D2Coding ligature'"/>
-              </a:rPr>
-              <a:t>    </a:t>
-            </a:r>
-            <a:r>
-              <a:rPr lang="en-US" altLang="ko-KR" b="0" dirty="0">
-                <a:solidFill>
-                  <a:srgbClr val="505050"/>
-                </a:solidFill>
-                <a:effectLst/>
-                <a:latin typeface=" D2Coding ligature'"/>
-              </a:rPr>
-              <a:t># n</a:t>
-            </a:r>
-            <a:r>
-              <a:rPr lang="ko-KR" altLang="en-US" b="0" dirty="0">
-                <a:solidFill>
-                  <a:srgbClr val="505050"/>
-                </a:solidFill>
-                <a:effectLst/>
-                <a:latin typeface=" D2Coding ligature'"/>
-              </a:rPr>
-              <a:t>초 기다리기</a:t>
-            </a:r>
-            <a:endParaRPr lang="ko-KR" altLang="en-US" b="0" dirty="0">
-              <a:solidFill>
-                <a:srgbClr val="D4D4D4"/>
-              </a:solidFill>
-              <a:effectLst/>
-              <a:latin typeface=" D2Coding ligature'"/>
-            </a:endParaRPr>
-          </a:p>
-          <a:p>
-            <a:r>
-              <a:rPr lang="ko-KR" altLang="en-US" b="0" dirty="0">
-                <a:solidFill>
-                  <a:srgbClr val="D4D4D4"/>
-                </a:solidFill>
-                <a:effectLst/>
-                <a:latin typeface=" D2Coding ligature'"/>
-              </a:rPr>
-              <a:t>    </a:t>
-            </a:r>
-            <a:r>
-              <a:rPr lang="en-US" altLang="ko-KR" b="0" dirty="0" err="1">
-                <a:solidFill>
-                  <a:srgbClr val="D4D4D4"/>
-                </a:solidFill>
-                <a:effectLst/>
-                <a:latin typeface=" D2Coding ligature'"/>
-              </a:rPr>
-              <a:t>time</a:t>
-            </a:r>
-            <a:r>
-              <a:rPr lang="en-US" altLang="ko-KR" b="0" dirty="0" err="1">
-                <a:solidFill>
-                  <a:srgbClr val="C586C0"/>
-                </a:solidFill>
-                <a:effectLst/>
-                <a:latin typeface=" D2Coding ligature'"/>
-              </a:rPr>
-              <a:t>.</a:t>
-            </a:r>
-            <a:r>
-              <a:rPr lang="en-US" altLang="ko-KR" b="0" dirty="0" err="1">
-                <a:solidFill>
-                  <a:srgbClr val="DCDCAA"/>
-                </a:solidFill>
-                <a:effectLst/>
-                <a:latin typeface=" D2Coding ligature'"/>
-              </a:rPr>
-              <a:t>sleep</a:t>
-            </a:r>
-            <a:r>
-              <a:rPr lang="en-US" altLang="ko-KR" b="0" dirty="0">
-                <a:solidFill>
-                  <a:srgbClr val="D4D4D4"/>
-                </a:solidFill>
-                <a:effectLst/>
-                <a:latin typeface=" D2Coding ligature'"/>
-              </a:rPr>
-              <a:t>(</a:t>
-            </a:r>
-            <a:r>
-              <a:rPr lang="en-US" altLang="ko-KR" b="0" dirty="0">
-                <a:solidFill>
-                  <a:srgbClr val="B5CEA8"/>
-                </a:solidFill>
-                <a:effectLst/>
-                <a:latin typeface=" D2Coding ligature'"/>
-              </a:rPr>
-              <a:t>3</a:t>
-            </a:r>
-            <a:r>
-              <a:rPr lang="en-US" altLang="ko-KR" b="0" dirty="0">
-                <a:solidFill>
-                  <a:srgbClr val="D4D4D4"/>
-                </a:solidFill>
-                <a:effectLst/>
-                <a:latin typeface=" D2Coding ligature'"/>
-              </a:rPr>
-              <a:t>)</a:t>
-            </a:r>
-          </a:p>
-        </p:txBody>
-      </p:sp>
-    </p:spTree>
-    <p:extLst>
-      <p:ext uri="{BB962C8B-B14F-4D97-AF65-F5344CB8AC3E}">
-        <p14:creationId xmlns:p14="http://schemas.microsoft.com/office/powerpoint/2010/main" val="1703793835"/>
       </p:ext>
     </p:extLst>
   </p:cSld>
@@ -9540,6 +8014,1782 @@
       </p:grpSpPr>
       <p:sp>
         <p:nvSpPr>
+          <p:cNvPr id="2" name="내용 개체 틀 1">
+            <a:extLst>
+              <a:ext uri="{FF2B5EF4-FFF2-40B4-BE49-F238E27FC236}">
+                <a16:creationId xmlns:a16="http://schemas.microsoft.com/office/drawing/2014/main" id="{75B465B9-E53C-4E07-9D1E-5D517C4ADA39}"/>
+              </a:ext>
+            </a:extLst>
+          </p:cNvPr>
+          <p:cNvSpPr>
+            <a:spLocks noGrp="1"/>
+          </p:cNvSpPr>
+          <p:nvPr>
+            <p:ph idx="1"/>
+          </p:nvPr>
+        </p:nvSpPr>
+        <p:spPr/>
+        <p:txBody>
+          <a:bodyPr>
+            <a:normAutofit fontScale="70000" lnSpcReduction="20000"/>
+          </a:bodyPr>
+          <a:lstStyle/>
+          <a:p>
+            <a:r>
+              <a:rPr lang="en-US" altLang="ko-KR" b="0" dirty="0">
+                <a:solidFill>
+                  <a:srgbClr val="505050"/>
+                </a:solidFill>
+                <a:effectLst/>
+                <a:latin typeface=" D2Coding ligature'"/>
+              </a:rPr>
+              <a:t># </a:t>
+            </a:r>
+            <a:r>
+              <a:rPr lang="ko-KR" altLang="en-US" b="0" dirty="0">
+                <a:solidFill>
+                  <a:srgbClr val="505050"/>
+                </a:solidFill>
+                <a:effectLst/>
+                <a:latin typeface=" D2Coding ligature'"/>
+              </a:rPr>
+              <a:t>무한 반복하기</a:t>
+            </a:r>
+            <a:endParaRPr lang="ko-KR" altLang="en-US" b="0" dirty="0">
+              <a:solidFill>
+                <a:srgbClr val="D4D4D4"/>
+              </a:solidFill>
+              <a:effectLst/>
+              <a:latin typeface=" D2Coding ligature'"/>
+            </a:endParaRPr>
+          </a:p>
+          <a:p>
+            <a:r>
+              <a:rPr lang="en-US" altLang="ko-KR" b="0" dirty="0">
+                <a:solidFill>
+                  <a:srgbClr val="C586C0"/>
+                </a:solidFill>
+                <a:effectLst/>
+                <a:latin typeface=" D2Coding ligature'"/>
+              </a:rPr>
+              <a:t>while</a:t>
+            </a:r>
+            <a:r>
+              <a:rPr lang="en-US" altLang="ko-KR" b="0" dirty="0">
+                <a:solidFill>
+                  <a:srgbClr val="D4D4D4"/>
+                </a:solidFill>
+                <a:effectLst/>
+                <a:latin typeface=" D2Coding ligature'"/>
+              </a:rPr>
+              <a:t> </a:t>
+            </a:r>
+            <a:r>
+              <a:rPr lang="en-US" altLang="ko-KR" b="0" dirty="0">
+                <a:solidFill>
+                  <a:srgbClr val="569CD6"/>
+                </a:solidFill>
+                <a:effectLst/>
+                <a:latin typeface=" D2Coding ligature'"/>
+              </a:rPr>
+              <a:t>True</a:t>
+            </a:r>
+            <a:r>
+              <a:rPr lang="en-US" altLang="ko-KR" b="0" dirty="0">
+                <a:solidFill>
+                  <a:srgbClr val="C586C0"/>
+                </a:solidFill>
+                <a:effectLst/>
+                <a:latin typeface=" D2Coding ligature'"/>
+              </a:rPr>
+              <a:t>:</a:t>
+            </a:r>
+            <a:endParaRPr lang="en-US" altLang="ko-KR" b="0" dirty="0">
+              <a:solidFill>
+                <a:srgbClr val="D4D4D4"/>
+              </a:solidFill>
+              <a:effectLst/>
+              <a:latin typeface=" D2Coding ligature'"/>
+            </a:endParaRPr>
+          </a:p>
+          <a:p>
+            <a:r>
+              <a:rPr lang="en-US" altLang="ko-KR" b="0" dirty="0">
+                <a:solidFill>
+                  <a:srgbClr val="D4D4D4"/>
+                </a:solidFill>
+                <a:effectLst/>
+                <a:latin typeface=" D2Coding ligature'"/>
+              </a:rPr>
+              <a:t>    </a:t>
+            </a:r>
+            <a:r>
+              <a:rPr lang="en-US" altLang="ko-KR" b="0" dirty="0">
+                <a:solidFill>
+                  <a:srgbClr val="505050"/>
+                </a:solidFill>
+                <a:effectLst/>
+                <a:latin typeface=" D2Coding ligature'"/>
+              </a:rPr>
+              <a:t># </a:t>
+            </a:r>
+            <a:r>
+              <a:rPr lang="ko-KR" altLang="en-US" b="0" dirty="0">
+                <a:solidFill>
+                  <a:srgbClr val="505050"/>
+                </a:solidFill>
+                <a:effectLst/>
+                <a:latin typeface=" D2Coding ligature'"/>
+              </a:rPr>
+              <a:t>삼성 현재주가를 </a:t>
+            </a:r>
+            <a:r>
+              <a:rPr lang="ko-KR" altLang="en-US" b="0" dirty="0" err="1">
+                <a:solidFill>
+                  <a:srgbClr val="505050"/>
+                </a:solidFill>
+                <a:effectLst/>
+                <a:latin typeface=" D2Coding ligature'"/>
+              </a:rPr>
+              <a:t>받아오기</a:t>
+            </a:r>
+            <a:r>
+              <a:rPr lang="ko-KR" altLang="en-US" b="0" dirty="0">
+                <a:solidFill>
+                  <a:srgbClr val="505050"/>
+                </a:solidFill>
+                <a:effectLst/>
+                <a:latin typeface=" D2Coding ligature'"/>
+              </a:rPr>
+              <a:t> 위해 </a:t>
+            </a:r>
+            <a:r>
+              <a:rPr lang="en-US" altLang="ko-KR" b="0" dirty="0">
+                <a:solidFill>
+                  <a:srgbClr val="505050"/>
+                </a:solidFill>
+                <a:effectLst/>
+                <a:latin typeface=" D2Coding ligature'"/>
+              </a:rPr>
+              <a:t>class </a:t>
+            </a:r>
+            <a:r>
+              <a:rPr lang="ko-KR" altLang="en-US" b="0" dirty="0">
+                <a:solidFill>
+                  <a:srgbClr val="505050"/>
+                </a:solidFill>
+                <a:effectLst/>
+                <a:latin typeface=" D2Coding ligature'"/>
+              </a:rPr>
+              <a:t>이름이 </a:t>
+            </a:r>
+            <a:r>
+              <a:rPr lang="en-US" altLang="ko-KR" b="0" dirty="0">
+                <a:solidFill>
+                  <a:srgbClr val="505050"/>
+                </a:solidFill>
+                <a:effectLst/>
+                <a:latin typeface=" D2Coding ligature'"/>
+              </a:rPr>
+              <a:t>today</a:t>
+            </a:r>
+            <a:r>
+              <a:rPr lang="ko-KR" altLang="en-US" b="0" dirty="0">
+                <a:solidFill>
+                  <a:srgbClr val="505050"/>
+                </a:solidFill>
+                <a:effectLst/>
+                <a:latin typeface=" D2Coding ligature'"/>
+              </a:rPr>
+              <a:t>인 값 찾아 저장하기</a:t>
+            </a:r>
+            <a:endParaRPr lang="ko-KR" altLang="en-US" b="0" dirty="0">
+              <a:solidFill>
+                <a:srgbClr val="D4D4D4"/>
+              </a:solidFill>
+              <a:effectLst/>
+              <a:latin typeface=" D2Coding ligature'"/>
+            </a:endParaRPr>
+          </a:p>
+          <a:p>
+            <a:r>
+              <a:rPr lang="ko-KR" altLang="en-US" b="0" dirty="0">
+                <a:solidFill>
+                  <a:srgbClr val="D4D4D4"/>
+                </a:solidFill>
+                <a:effectLst/>
+                <a:latin typeface=" D2Coding ligature'"/>
+              </a:rPr>
+              <a:t>    </a:t>
+            </a:r>
+            <a:r>
+              <a:rPr lang="en-US" altLang="ko-KR" b="0" dirty="0">
+                <a:solidFill>
+                  <a:srgbClr val="D4D4D4"/>
+                </a:solidFill>
+                <a:effectLst/>
+                <a:latin typeface=" D2Coding ligature'"/>
+              </a:rPr>
+              <a:t>today </a:t>
+            </a:r>
+            <a:r>
+              <a:rPr lang="en-US" altLang="ko-KR" b="0" dirty="0">
+                <a:solidFill>
+                  <a:srgbClr val="C586C0"/>
+                </a:solidFill>
+                <a:effectLst/>
+                <a:latin typeface=" D2Coding ligature'"/>
+              </a:rPr>
+              <a:t>=</a:t>
+            </a:r>
+            <a:r>
+              <a:rPr lang="en-US" altLang="ko-KR" b="0" dirty="0">
+                <a:solidFill>
+                  <a:srgbClr val="D4D4D4"/>
+                </a:solidFill>
+                <a:effectLst/>
+                <a:latin typeface=" D2Coding ligature'"/>
+              </a:rPr>
+              <a:t> </a:t>
+            </a:r>
+            <a:r>
+              <a:rPr lang="en-US" altLang="ko-KR" b="0" dirty="0" err="1">
+                <a:solidFill>
+                  <a:srgbClr val="D4D4D4"/>
+                </a:solidFill>
+                <a:effectLst/>
+                <a:latin typeface=" D2Coding ligature'"/>
+              </a:rPr>
+              <a:t>driver</a:t>
+            </a:r>
+            <a:r>
+              <a:rPr lang="en-US" altLang="ko-KR" b="0" dirty="0" err="1">
+                <a:solidFill>
+                  <a:srgbClr val="C586C0"/>
+                </a:solidFill>
+                <a:effectLst/>
+                <a:latin typeface=" D2Coding ligature'"/>
+              </a:rPr>
+              <a:t>.</a:t>
+            </a:r>
+            <a:r>
+              <a:rPr lang="en-US" altLang="ko-KR" b="0" dirty="0" err="1">
+                <a:solidFill>
+                  <a:srgbClr val="DCDCAA"/>
+                </a:solidFill>
+                <a:effectLst/>
+                <a:latin typeface=" D2Coding ligature'"/>
+              </a:rPr>
+              <a:t>find_element_by_xpath</a:t>
+            </a:r>
+            <a:r>
+              <a:rPr lang="en-US" altLang="ko-KR" b="0" dirty="0">
+                <a:solidFill>
+                  <a:srgbClr val="D4D4D4"/>
+                </a:solidFill>
+                <a:effectLst/>
+                <a:latin typeface=" D2Coding ligature'"/>
+              </a:rPr>
+              <a:t>(</a:t>
+            </a:r>
+            <a:r>
+              <a:rPr lang="en-US" altLang="ko-KR" b="0" dirty="0">
+                <a:solidFill>
+                  <a:srgbClr val="CE9178"/>
+                </a:solidFill>
+                <a:effectLst/>
+                <a:latin typeface=" D2Coding ligature'"/>
+              </a:rPr>
+              <a:t>"//div[@class='today']"</a:t>
+            </a:r>
+            <a:r>
+              <a:rPr lang="en-US" altLang="ko-KR" b="0" dirty="0">
+                <a:solidFill>
+                  <a:srgbClr val="D4D4D4"/>
+                </a:solidFill>
+                <a:effectLst/>
+                <a:latin typeface=" D2Coding ligature'"/>
+              </a:rPr>
+              <a:t>)</a:t>
+            </a:r>
+          </a:p>
+          <a:p>
+            <a:r>
+              <a:rPr lang="en-US" altLang="ko-KR" b="0" dirty="0">
+                <a:solidFill>
+                  <a:srgbClr val="D4D4D4"/>
+                </a:solidFill>
+                <a:effectLst/>
+                <a:latin typeface=" D2Coding ligature'"/>
+              </a:rPr>
+              <a:t>    </a:t>
+            </a:r>
+            <a:r>
+              <a:rPr lang="en-US" altLang="ko-KR" b="0" dirty="0">
+                <a:solidFill>
+                  <a:srgbClr val="505050"/>
+                </a:solidFill>
+                <a:effectLst/>
+                <a:latin typeface=" D2Coding ligature'"/>
+              </a:rPr>
+              <a:t># p </a:t>
+            </a:r>
+            <a:r>
+              <a:rPr lang="ko-KR" altLang="en-US" b="0" dirty="0">
+                <a:solidFill>
+                  <a:srgbClr val="505050"/>
+                </a:solidFill>
+                <a:effectLst/>
+                <a:latin typeface=" D2Coding ligature'"/>
+              </a:rPr>
+              <a:t>태그를 갖고 있는 모든 값을 찾아 저장하기</a:t>
+            </a:r>
+            <a:endParaRPr lang="ko-KR" altLang="en-US" b="0" dirty="0">
+              <a:solidFill>
+                <a:srgbClr val="D4D4D4"/>
+              </a:solidFill>
+              <a:effectLst/>
+              <a:latin typeface=" D2Coding ligature'"/>
+            </a:endParaRPr>
+          </a:p>
+          <a:p>
+            <a:r>
+              <a:rPr lang="ko-KR" altLang="en-US" b="0" dirty="0">
+                <a:solidFill>
+                  <a:srgbClr val="D4D4D4"/>
+                </a:solidFill>
+                <a:effectLst/>
+                <a:latin typeface=" D2Coding ligature'"/>
+              </a:rPr>
+              <a:t>    </a:t>
+            </a:r>
+            <a:r>
+              <a:rPr lang="en-US" altLang="ko-KR" b="0" dirty="0">
+                <a:solidFill>
+                  <a:srgbClr val="D4D4D4"/>
+                </a:solidFill>
+                <a:effectLst/>
+                <a:latin typeface=" D2Coding ligature'"/>
+              </a:rPr>
+              <a:t>p </a:t>
+            </a:r>
+            <a:r>
+              <a:rPr lang="en-US" altLang="ko-KR" b="0" dirty="0">
+                <a:solidFill>
+                  <a:srgbClr val="C586C0"/>
+                </a:solidFill>
+                <a:effectLst/>
+                <a:latin typeface=" D2Coding ligature'"/>
+              </a:rPr>
+              <a:t>=</a:t>
+            </a:r>
+            <a:r>
+              <a:rPr lang="en-US" altLang="ko-KR" b="0" dirty="0">
+                <a:solidFill>
+                  <a:srgbClr val="D4D4D4"/>
+                </a:solidFill>
+                <a:effectLst/>
+                <a:latin typeface=" D2Coding ligature'"/>
+              </a:rPr>
+              <a:t> </a:t>
+            </a:r>
+            <a:r>
+              <a:rPr lang="en-US" altLang="ko-KR" b="0" dirty="0" err="1">
+                <a:solidFill>
+                  <a:srgbClr val="D4D4D4"/>
+                </a:solidFill>
+                <a:effectLst/>
+                <a:latin typeface=" D2Coding ligature'"/>
+              </a:rPr>
+              <a:t>today</a:t>
+            </a:r>
+            <a:r>
+              <a:rPr lang="en-US" altLang="ko-KR" b="0" dirty="0" err="1">
+                <a:solidFill>
+                  <a:srgbClr val="C586C0"/>
+                </a:solidFill>
+                <a:effectLst/>
+                <a:latin typeface=" D2Coding ligature'"/>
+              </a:rPr>
+              <a:t>.</a:t>
+            </a:r>
+            <a:r>
+              <a:rPr lang="en-US" altLang="ko-KR" b="0" dirty="0" err="1">
+                <a:solidFill>
+                  <a:srgbClr val="DCDCAA"/>
+                </a:solidFill>
+                <a:effectLst/>
+                <a:latin typeface=" D2Coding ligature'"/>
+              </a:rPr>
+              <a:t>find_element_by_tag_name</a:t>
+            </a:r>
+            <a:r>
+              <a:rPr lang="en-US" altLang="ko-KR" b="0" dirty="0">
+                <a:solidFill>
+                  <a:srgbClr val="D4D4D4"/>
+                </a:solidFill>
+                <a:effectLst/>
+                <a:latin typeface=" D2Coding ligature'"/>
+              </a:rPr>
+              <a:t>(</a:t>
+            </a:r>
+            <a:r>
+              <a:rPr lang="en-US" altLang="ko-KR" b="0" dirty="0">
+                <a:solidFill>
+                  <a:srgbClr val="CE9178"/>
+                </a:solidFill>
+                <a:effectLst/>
+                <a:latin typeface=" D2Coding ligature'"/>
+              </a:rPr>
+              <a:t>"p"</a:t>
+            </a:r>
+            <a:r>
+              <a:rPr lang="en-US" altLang="ko-KR" b="0" dirty="0">
+                <a:solidFill>
+                  <a:srgbClr val="D4D4D4"/>
+                </a:solidFill>
+                <a:effectLst/>
+                <a:latin typeface=" D2Coding ligature'"/>
+              </a:rPr>
+              <a:t>)</a:t>
+            </a:r>
+          </a:p>
+          <a:p>
+            <a:r>
+              <a:rPr lang="en-US" altLang="ko-KR" b="0" dirty="0">
+                <a:solidFill>
+                  <a:srgbClr val="D4D4D4"/>
+                </a:solidFill>
+                <a:effectLst/>
+                <a:latin typeface=" D2Coding ligature'"/>
+              </a:rPr>
+              <a:t>    </a:t>
+            </a:r>
+            <a:r>
+              <a:rPr lang="en-US" altLang="ko-KR" b="0" dirty="0">
+                <a:solidFill>
+                  <a:srgbClr val="505050"/>
+                </a:solidFill>
+                <a:effectLst/>
+                <a:latin typeface=" D2Coding ligature'"/>
+              </a:rPr>
+              <a:t># p</a:t>
+            </a:r>
+            <a:r>
+              <a:rPr lang="ko-KR" altLang="en-US" b="0" dirty="0">
+                <a:solidFill>
+                  <a:srgbClr val="505050"/>
+                </a:solidFill>
+                <a:effectLst/>
+                <a:latin typeface=" D2Coding ligature'"/>
+              </a:rPr>
+              <a:t>의 텍스트만 받아 </a:t>
+            </a:r>
+            <a:r>
+              <a:rPr lang="ko-KR" altLang="en-US" b="0" dirty="0" err="1">
+                <a:solidFill>
+                  <a:srgbClr val="505050"/>
+                </a:solidFill>
+                <a:effectLst/>
+                <a:latin typeface=" D2Coding ligature'"/>
+              </a:rPr>
+              <a:t>줄바꿈을</a:t>
+            </a:r>
+            <a:r>
+              <a:rPr lang="ko-KR" altLang="en-US" b="0" dirty="0">
+                <a:solidFill>
+                  <a:srgbClr val="505050"/>
+                </a:solidFill>
+                <a:effectLst/>
+                <a:latin typeface=" D2Coding ligature'"/>
+              </a:rPr>
+              <a:t> 없애고 저장하기</a:t>
+            </a:r>
+            <a:endParaRPr lang="ko-KR" altLang="en-US" b="0" dirty="0">
+              <a:solidFill>
+                <a:srgbClr val="D4D4D4"/>
+              </a:solidFill>
+              <a:effectLst/>
+              <a:latin typeface=" D2Coding ligature'"/>
+            </a:endParaRPr>
+          </a:p>
+          <a:p>
+            <a:r>
+              <a:rPr lang="ko-KR" altLang="en-US" b="0" dirty="0">
+                <a:solidFill>
+                  <a:srgbClr val="D4D4D4"/>
+                </a:solidFill>
+                <a:effectLst/>
+                <a:latin typeface=" D2Coding ligature'"/>
+              </a:rPr>
+              <a:t>    </a:t>
+            </a:r>
+            <a:r>
+              <a:rPr lang="en-US" altLang="ko-KR" b="0" dirty="0" err="1">
+                <a:solidFill>
+                  <a:srgbClr val="D4D4D4"/>
+                </a:solidFill>
+                <a:effectLst/>
+                <a:latin typeface=" D2Coding ligature'"/>
+              </a:rPr>
+              <a:t>samsung_stock</a:t>
+            </a:r>
+            <a:r>
+              <a:rPr lang="en-US" altLang="ko-KR" b="0" dirty="0">
+                <a:solidFill>
+                  <a:srgbClr val="D4D4D4"/>
+                </a:solidFill>
+                <a:effectLst/>
+                <a:latin typeface=" D2Coding ligature'"/>
+              </a:rPr>
+              <a:t> </a:t>
+            </a:r>
+            <a:r>
+              <a:rPr lang="en-US" altLang="ko-KR" b="0" dirty="0">
+                <a:solidFill>
+                  <a:srgbClr val="C586C0"/>
+                </a:solidFill>
+                <a:effectLst/>
+                <a:latin typeface=" D2Coding ligature'"/>
+              </a:rPr>
+              <a:t>=</a:t>
+            </a:r>
+            <a:r>
+              <a:rPr lang="en-US" altLang="ko-KR" b="0" dirty="0">
+                <a:solidFill>
+                  <a:srgbClr val="D4D4D4"/>
+                </a:solidFill>
+                <a:effectLst/>
+                <a:latin typeface=" D2Coding ligature'"/>
+              </a:rPr>
+              <a:t> </a:t>
+            </a:r>
+            <a:r>
+              <a:rPr lang="en-US" altLang="ko-KR" b="0" dirty="0" err="1">
+                <a:solidFill>
+                  <a:srgbClr val="D4D4D4"/>
+                </a:solidFill>
+                <a:effectLst/>
+                <a:latin typeface=" D2Coding ligature'"/>
+              </a:rPr>
+              <a:t>p</a:t>
+            </a:r>
+            <a:r>
+              <a:rPr lang="en-US" altLang="ko-KR" b="0" dirty="0" err="1">
+                <a:solidFill>
+                  <a:srgbClr val="C586C0"/>
+                </a:solidFill>
+                <a:effectLst/>
+                <a:latin typeface=" D2Coding ligature'"/>
+              </a:rPr>
+              <a:t>.</a:t>
+            </a:r>
+            <a:r>
+              <a:rPr lang="en-US" altLang="ko-KR" b="0" dirty="0" err="1">
+                <a:solidFill>
+                  <a:srgbClr val="D4D4D4"/>
+                </a:solidFill>
+                <a:effectLst/>
+                <a:latin typeface=" D2Coding ligature'"/>
+              </a:rPr>
+              <a:t>text</a:t>
+            </a:r>
+            <a:r>
+              <a:rPr lang="en-US" altLang="ko-KR" b="0" dirty="0" err="1">
+                <a:solidFill>
+                  <a:srgbClr val="C586C0"/>
+                </a:solidFill>
+                <a:effectLst/>
+                <a:latin typeface=" D2Coding ligature'"/>
+              </a:rPr>
+              <a:t>.</a:t>
+            </a:r>
+            <a:r>
+              <a:rPr lang="en-US" altLang="ko-KR" b="0" dirty="0" err="1">
+                <a:solidFill>
+                  <a:srgbClr val="DCDCAA"/>
+                </a:solidFill>
+                <a:effectLst/>
+                <a:latin typeface=" D2Coding ligature'"/>
+              </a:rPr>
+              <a:t>replace</a:t>
+            </a:r>
+            <a:r>
+              <a:rPr lang="en-US" altLang="ko-KR" b="0" dirty="0">
+                <a:solidFill>
+                  <a:srgbClr val="D4D4D4"/>
+                </a:solidFill>
+                <a:effectLst/>
+                <a:latin typeface=" D2Coding ligature'"/>
+              </a:rPr>
+              <a:t>(</a:t>
+            </a:r>
+            <a:r>
+              <a:rPr lang="en-US" altLang="ko-KR" b="0" dirty="0">
+                <a:solidFill>
+                  <a:srgbClr val="CE9178"/>
+                </a:solidFill>
+                <a:effectLst/>
+                <a:latin typeface=" D2Coding ligature'"/>
+              </a:rPr>
+              <a:t>'</a:t>
+            </a:r>
+            <a:r>
+              <a:rPr lang="en-US" altLang="ko-KR" b="0" dirty="0">
+                <a:solidFill>
+                  <a:srgbClr val="D7BA7D"/>
+                </a:solidFill>
+                <a:effectLst/>
+                <a:latin typeface=" D2Coding ligature'"/>
+              </a:rPr>
+              <a:t>\n</a:t>
+            </a:r>
+            <a:r>
+              <a:rPr lang="en-US" altLang="ko-KR" b="0" dirty="0">
+                <a:solidFill>
+                  <a:srgbClr val="CE9178"/>
+                </a:solidFill>
+                <a:effectLst/>
+                <a:latin typeface=" D2Coding ligature'"/>
+              </a:rPr>
+              <a:t>'</a:t>
+            </a:r>
+            <a:r>
+              <a:rPr lang="en-US" altLang="ko-KR" b="0" dirty="0">
+                <a:solidFill>
+                  <a:srgbClr val="D4D4D4"/>
+                </a:solidFill>
+                <a:effectLst/>
+                <a:latin typeface=" D2Coding ligature'"/>
+              </a:rPr>
+              <a:t>,</a:t>
+            </a:r>
+            <a:r>
+              <a:rPr lang="en-US" altLang="ko-KR" b="0" dirty="0">
+                <a:solidFill>
+                  <a:srgbClr val="CE9178"/>
+                </a:solidFill>
+                <a:effectLst/>
+                <a:latin typeface=" D2Coding ligature'"/>
+              </a:rPr>
+              <a:t>''</a:t>
+            </a:r>
+            <a:r>
+              <a:rPr lang="en-US" altLang="ko-KR" b="0" dirty="0">
+                <a:solidFill>
+                  <a:srgbClr val="D4D4D4"/>
+                </a:solidFill>
+                <a:effectLst/>
+                <a:latin typeface=" D2Coding ligature'"/>
+              </a:rPr>
+              <a:t>)</a:t>
+            </a:r>
+          </a:p>
+          <a:p>
+            <a:r>
+              <a:rPr lang="en-US" altLang="ko-KR" b="0" dirty="0">
+                <a:solidFill>
+                  <a:srgbClr val="D4D4D4"/>
+                </a:solidFill>
+                <a:effectLst/>
+                <a:latin typeface=" D2Coding ligature'"/>
+              </a:rPr>
+              <a:t>    </a:t>
+            </a:r>
+            <a:r>
+              <a:rPr lang="en-US" altLang="ko-KR" b="0" dirty="0">
+                <a:solidFill>
+                  <a:srgbClr val="505050"/>
+                </a:solidFill>
+                <a:effectLst/>
+                <a:latin typeface=" D2Coding ligature'"/>
+              </a:rPr>
+              <a:t># </a:t>
+            </a:r>
+            <a:r>
+              <a:rPr lang="ko-KR" altLang="en-US" b="0" dirty="0">
+                <a:solidFill>
+                  <a:srgbClr val="505050"/>
+                </a:solidFill>
+                <a:effectLst/>
+                <a:latin typeface=" D2Coding ligature'"/>
+              </a:rPr>
+              <a:t>현재시간을 저장하기</a:t>
+            </a:r>
+            <a:endParaRPr lang="ko-KR" altLang="en-US" b="0" dirty="0">
+              <a:solidFill>
+                <a:srgbClr val="D4D4D4"/>
+              </a:solidFill>
+              <a:effectLst/>
+              <a:latin typeface=" D2Coding ligature'"/>
+            </a:endParaRPr>
+          </a:p>
+          <a:p>
+            <a:r>
+              <a:rPr lang="ko-KR" altLang="en-US" b="0" dirty="0">
+                <a:solidFill>
+                  <a:srgbClr val="D4D4D4"/>
+                </a:solidFill>
+                <a:effectLst/>
+                <a:latin typeface=" D2Coding ligature'"/>
+              </a:rPr>
+              <a:t>    </a:t>
+            </a:r>
+            <a:r>
+              <a:rPr lang="en-US" altLang="ko-KR" b="0" dirty="0">
+                <a:solidFill>
+                  <a:srgbClr val="D4D4D4"/>
+                </a:solidFill>
+                <a:effectLst/>
+                <a:latin typeface=" D2Coding ligature'"/>
+              </a:rPr>
+              <a:t>now </a:t>
+            </a:r>
+            <a:r>
+              <a:rPr lang="en-US" altLang="ko-KR" b="0" dirty="0">
+                <a:solidFill>
+                  <a:srgbClr val="C586C0"/>
+                </a:solidFill>
+                <a:effectLst/>
+                <a:latin typeface=" D2Coding ligature'"/>
+              </a:rPr>
+              <a:t>=</a:t>
+            </a:r>
+            <a:r>
+              <a:rPr lang="en-US" altLang="ko-KR" b="0" dirty="0">
+                <a:solidFill>
+                  <a:srgbClr val="D4D4D4"/>
+                </a:solidFill>
+                <a:effectLst/>
+                <a:latin typeface=" D2Coding ligature'"/>
+              </a:rPr>
+              <a:t> </a:t>
+            </a:r>
+            <a:r>
+              <a:rPr lang="en-US" altLang="ko-KR" b="0" dirty="0" err="1">
+                <a:solidFill>
+                  <a:srgbClr val="D4D4D4"/>
+                </a:solidFill>
+                <a:effectLst/>
+                <a:latin typeface=" D2Coding ligature'"/>
+              </a:rPr>
+              <a:t>datetime</a:t>
+            </a:r>
+            <a:r>
+              <a:rPr lang="en-US" altLang="ko-KR" b="0" dirty="0" err="1">
+                <a:solidFill>
+                  <a:srgbClr val="C586C0"/>
+                </a:solidFill>
+                <a:effectLst/>
+                <a:latin typeface=" D2Coding ligature'"/>
+              </a:rPr>
+              <a:t>.</a:t>
+            </a:r>
+            <a:r>
+              <a:rPr lang="en-US" altLang="ko-KR" b="0" dirty="0" err="1">
+                <a:solidFill>
+                  <a:srgbClr val="DCDCAA"/>
+                </a:solidFill>
+                <a:effectLst/>
+                <a:latin typeface=" D2Coding ligature'"/>
+              </a:rPr>
+              <a:t>now</a:t>
+            </a:r>
+            <a:r>
+              <a:rPr lang="en-US" altLang="ko-KR" b="0" dirty="0">
+                <a:solidFill>
+                  <a:srgbClr val="D4D4D4"/>
+                </a:solidFill>
+                <a:effectLst/>
+                <a:latin typeface=" D2Coding ligature'"/>
+              </a:rPr>
+              <a:t>()</a:t>
+            </a:r>
+          </a:p>
+          <a:p>
+            <a:r>
+              <a:rPr lang="en-US" altLang="ko-KR" b="0" dirty="0">
+                <a:solidFill>
+                  <a:srgbClr val="D4D4D4"/>
+                </a:solidFill>
+                <a:effectLst/>
+                <a:latin typeface=" D2Coding ligature'"/>
+              </a:rPr>
+              <a:t>    text </a:t>
+            </a:r>
+            <a:r>
+              <a:rPr lang="en-US" altLang="ko-KR" b="0" dirty="0">
+                <a:solidFill>
+                  <a:srgbClr val="C586C0"/>
+                </a:solidFill>
+                <a:effectLst/>
+                <a:latin typeface=" D2Coding ligature'"/>
+              </a:rPr>
+              <a:t>=</a:t>
+            </a:r>
+            <a:r>
+              <a:rPr lang="en-US" altLang="ko-KR" b="0" dirty="0">
+                <a:solidFill>
+                  <a:srgbClr val="D4D4D4"/>
+                </a:solidFill>
+                <a:effectLst/>
+                <a:latin typeface=" D2Coding ligature'"/>
+              </a:rPr>
+              <a:t> </a:t>
+            </a:r>
+            <a:r>
+              <a:rPr lang="en-US" altLang="ko-KR" b="0" i="1" dirty="0">
+                <a:solidFill>
+                  <a:srgbClr val="569CD6"/>
+                </a:solidFill>
+                <a:effectLst/>
+                <a:latin typeface=" D2Coding ligature'"/>
+              </a:rPr>
+              <a:t>f</a:t>
+            </a:r>
+            <a:r>
+              <a:rPr lang="en-US" altLang="ko-KR" b="0" dirty="0">
+                <a:solidFill>
+                  <a:srgbClr val="CE9178"/>
+                </a:solidFill>
+                <a:effectLst/>
+                <a:latin typeface=" D2Coding ligature'"/>
+              </a:rPr>
+              <a:t>"</a:t>
+            </a:r>
+            <a:r>
+              <a:rPr lang="en-US" altLang="ko-KR" b="0" dirty="0">
+                <a:solidFill>
+                  <a:srgbClr val="569CD6"/>
+                </a:solidFill>
+                <a:effectLst/>
+                <a:latin typeface=" D2Coding ligature'"/>
+              </a:rPr>
+              <a:t>{</a:t>
+            </a:r>
+            <a:r>
+              <a:rPr lang="en-US" altLang="ko-KR" b="0" dirty="0" err="1">
+                <a:solidFill>
+                  <a:srgbClr val="D4D4D4"/>
+                </a:solidFill>
+                <a:effectLst/>
+                <a:latin typeface=" D2Coding ligature'"/>
+              </a:rPr>
+              <a:t>now</a:t>
+            </a:r>
+            <a:r>
+              <a:rPr lang="en-US" altLang="ko-KR" b="0" dirty="0" err="1">
+                <a:solidFill>
+                  <a:srgbClr val="C586C0"/>
+                </a:solidFill>
+                <a:effectLst/>
+                <a:latin typeface=" D2Coding ligature'"/>
+              </a:rPr>
+              <a:t>.</a:t>
+            </a:r>
+            <a:r>
+              <a:rPr lang="en-US" altLang="ko-KR" b="0" dirty="0" err="1">
+                <a:solidFill>
+                  <a:srgbClr val="D4D4D4"/>
+                </a:solidFill>
+                <a:effectLst/>
+                <a:latin typeface=" D2Coding ligature'"/>
+              </a:rPr>
+              <a:t>hour</a:t>
+            </a:r>
+            <a:r>
+              <a:rPr lang="en-US" altLang="ko-KR" b="0" dirty="0">
+                <a:solidFill>
+                  <a:srgbClr val="569CD6"/>
+                </a:solidFill>
+                <a:effectLst/>
+                <a:latin typeface=" D2Coding ligature'"/>
+              </a:rPr>
+              <a:t>}</a:t>
+            </a:r>
+            <a:r>
+              <a:rPr lang="en-US" altLang="ko-KR" b="0" dirty="0">
+                <a:solidFill>
+                  <a:srgbClr val="CE9178"/>
+                </a:solidFill>
+                <a:effectLst/>
+                <a:latin typeface=" D2Coding ligature'"/>
+              </a:rPr>
+              <a:t>:</a:t>
+            </a:r>
+            <a:r>
+              <a:rPr lang="en-US" altLang="ko-KR" b="0" dirty="0">
+                <a:solidFill>
+                  <a:srgbClr val="569CD6"/>
+                </a:solidFill>
+                <a:effectLst/>
+                <a:latin typeface=" D2Coding ligature'"/>
+              </a:rPr>
+              <a:t>{</a:t>
+            </a:r>
+            <a:r>
+              <a:rPr lang="en-US" altLang="ko-KR" b="0" dirty="0" err="1">
+                <a:solidFill>
+                  <a:srgbClr val="D4D4D4"/>
+                </a:solidFill>
+                <a:effectLst/>
+                <a:latin typeface=" D2Coding ligature'"/>
+              </a:rPr>
+              <a:t>now</a:t>
+            </a:r>
+            <a:r>
+              <a:rPr lang="en-US" altLang="ko-KR" b="0" dirty="0" err="1">
+                <a:solidFill>
+                  <a:srgbClr val="C586C0"/>
+                </a:solidFill>
+                <a:effectLst/>
+                <a:latin typeface=" D2Coding ligature'"/>
+              </a:rPr>
+              <a:t>.</a:t>
+            </a:r>
+            <a:r>
+              <a:rPr lang="en-US" altLang="ko-KR" b="0" dirty="0" err="1">
+                <a:solidFill>
+                  <a:srgbClr val="D4D4D4"/>
+                </a:solidFill>
+                <a:effectLst/>
+                <a:latin typeface=" D2Coding ligature'"/>
+              </a:rPr>
+              <a:t>minute</a:t>
+            </a:r>
+            <a:r>
+              <a:rPr lang="en-US" altLang="ko-KR" b="0" dirty="0">
+                <a:solidFill>
+                  <a:srgbClr val="569CD6"/>
+                </a:solidFill>
+                <a:effectLst/>
+                <a:latin typeface=" D2Coding ligature'"/>
+              </a:rPr>
+              <a:t>}</a:t>
+            </a:r>
+            <a:r>
+              <a:rPr lang="en-US" altLang="ko-KR" b="0" dirty="0">
+                <a:solidFill>
+                  <a:srgbClr val="CE9178"/>
+                </a:solidFill>
+                <a:effectLst/>
+                <a:latin typeface=" D2Coding ligature'"/>
+              </a:rPr>
+              <a:t>:</a:t>
+            </a:r>
+            <a:r>
+              <a:rPr lang="en-US" altLang="ko-KR" b="0" dirty="0">
+                <a:solidFill>
+                  <a:srgbClr val="569CD6"/>
+                </a:solidFill>
+                <a:effectLst/>
+                <a:latin typeface=" D2Coding ligature'"/>
+              </a:rPr>
+              <a:t>{</a:t>
+            </a:r>
+            <a:r>
+              <a:rPr lang="en-US" altLang="ko-KR" b="0" dirty="0" err="1">
+                <a:solidFill>
+                  <a:srgbClr val="D4D4D4"/>
+                </a:solidFill>
+                <a:effectLst/>
+                <a:latin typeface=" D2Coding ligature'"/>
+              </a:rPr>
+              <a:t>now</a:t>
+            </a:r>
+            <a:r>
+              <a:rPr lang="en-US" altLang="ko-KR" b="0" dirty="0" err="1">
+                <a:solidFill>
+                  <a:srgbClr val="C586C0"/>
+                </a:solidFill>
+                <a:effectLst/>
+                <a:latin typeface=" D2Coding ligature'"/>
+              </a:rPr>
+              <a:t>.</a:t>
+            </a:r>
+            <a:r>
+              <a:rPr lang="en-US" altLang="ko-KR" b="0" dirty="0" err="1">
+                <a:solidFill>
+                  <a:srgbClr val="D4D4D4"/>
+                </a:solidFill>
+                <a:effectLst/>
+                <a:latin typeface=" D2Coding ligature'"/>
+              </a:rPr>
+              <a:t>second</a:t>
+            </a:r>
+            <a:r>
+              <a:rPr lang="en-US" altLang="ko-KR" b="0" dirty="0">
+                <a:solidFill>
+                  <a:srgbClr val="569CD6"/>
+                </a:solidFill>
+                <a:effectLst/>
+                <a:latin typeface=" D2Coding ligature'"/>
+              </a:rPr>
+              <a:t>}</a:t>
+            </a:r>
+            <a:r>
+              <a:rPr lang="en-US" altLang="ko-KR" b="0" dirty="0">
+                <a:solidFill>
+                  <a:srgbClr val="CE9178"/>
+                </a:solidFill>
+                <a:effectLst/>
+                <a:latin typeface=" D2Coding ligature'"/>
+              </a:rPr>
+              <a:t>,</a:t>
+            </a:r>
+            <a:r>
+              <a:rPr lang="ko-KR" altLang="en-US" b="0" dirty="0">
+                <a:solidFill>
+                  <a:srgbClr val="CE9178"/>
+                </a:solidFill>
+                <a:effectLst/>
+                <a:latin typeface=" D2Coding ligature'"/>
+              </a:rPr>
+              <a:t>삼성전자</a:t>
+            </a:r>
+            <a:r>
+              <a:rPr lang="en-US" altLang="ko-KR" b="0" dirty="0">
+                <a:solidFill>
+                  <a:srgbClr val="CE9178"/>
+                </a:solidFill>
+                <a:effectLst/>
+                <a:latin typeface=" D2Coding ligature'"/>
+              </a:rPr>
+              <a:t>,</a:t>
+            </a:r>
+            <a:r>
+              <a:rPr lang="en-US" altLang="ko-KR" b="0" dirty="0">
+                <a:solidFill>
+                  <a:srgbClr val="D7BA7D"/>
+                </a:solidFill>
+                <a:effectLst/>
+                <a:latin typeface=" D2Coding ligature'"/>
+              </a:rPr>
+              <a:t>\"</a:t>
+            </a:r>
+            <a:r>
+              <a:rPr lang="en-US" altLang="ko-KR" b="0" dirty="0">
+                <a:solidFill>
+                  <a:srgbClr val="569CD6"/>
+                </a:solidFill>
+                <a:effectLst/>
+                <a:latin typeface=" D2Coding ligature'"/>
+              </a:rPr>
+              <a:t>{</a:t>
+            </a:r>
+            <a:r>
+              <a:rPr lang="en-US" altLang="ko-KR" b="0" dirty="0" err="1">
+                <a:solidFill>
+                  <a:srgbClr val="D4D4D4"/>
+                </a:solidFill>
+                <a:effectLst/>
+                <a:latin typeface=" D2Coding ligature'"/>
+              </a:rPr>
+              <a:t>samsung_stock</a:t>
+            </a:r>
+            <a:r>
+              <a:rPr lang="en-US" altLang="ko-KR" b="0" dirty="0">
+                <a:solidFill>
+                  <a:srgbClr val="569CD6"/>
+                </a:solidFill>
+                <a:effectLst/>
+                <a:latin typeface=" D2Coding ligature'"/>
+              </a:rPr>
+              <a:t>}</a:t>
+            </a:r>
+            <a:r>
+              <a:rPr lang="en-US" altLang="ko-KR" b="0" dirty="0">
+                <a:solidFill>
+                  <a:srgbClr val="D7BA7D"/>
+                </a:solidFill>
+                <a:effectLst/>
+                <a:latin typeface=" D2Coding ligature'"/>
+              </a:rPr>
+              <a:t>\"\n</a:t>
+            </a:r>
+            <a:r>
+              <a:rPr lang="en-US" altLang="ko-KR" b="0" dirty="0">
+                <a:solidFill>
+                  <a:srgbClr val="CE9178"/>
+                </a:solidFill>
+                <a:effectLst/>
+                <a:latin typeface=" D2Coding ligature'"/>
+              </a:rPr>
+              <a:t>"</a:t>
+            </a:r>
+            <a:endParaRPr lang="en-US" altLang="ko-KR" b="0" dirty="0">
+              <a:solidFill>
+                <a:srgbClr val="D4D4D4"/>
+              </a:solidFill>
+              <a:effectLst/>
+              <a:latin typeface=" D2Coding ligature'"/>
+            </a:endParaRPr>
+          </a:p>
+          <a:p>
+            <a:r>
+              <a:rPr lang="en-US" altLang="ko-KR" b="0" dirty="0">
+                <a:solidFill>
+                  <a:srgbClr val="D4D4D4"/>
+                </a:solidFill>
+                <a:effectLst/>
+                <a:latin typeface=" D2Coding ligature'"/>
+              </a:rPr>
+              <a:t>    </a:t>
+            </a:r>
+            <a:r>
+              <a:rPr lang="en-US" altLang="ko-KR" b="0" dirty="0">
+                <a:solidFill>
+                  <a:srgbClr val="505050"/>
+                </a:solidFill>
+                <a:effectLst/>
+                <a:latin typeface=" D2Coding ligature'"/>
+              </a:rPr>
+              <a:t># </a:t>
+            </a:r>
+            <a:r>
+              <a:rPr lang="ko-KR" altLang="en-US" b="0" dirty="0">
+                <a:solidFill>
+                  <a:srgbClr val="505050"/>
+                </a:solidFill>
+                <a:effectLst/>
+                <a:latin typeface=" D2Coding ligature'"/>
+              </a:rPr>
+              <a:t>파일을 추가 쓰기모드로 열어 </a:t>
+            </a:r>
+            <a:r>
+              <a:rPr lang="en-US" altLang="ko-KR" b="0" dirty="0">
+                <a:solidFill>
+                  <a:srgbClr val="505050"/>
+                </a:solidFill>
+                <a:effectLst/>
+                <a:latin typeface=" D2Coding ligature'"/>
+              </a:rPr>
+              <a:t>text</a:t>
+            </a:r>
+            <a:r>
+              <a:rPr lang="ko-KR" altLang="en-US" b="0" dirty="0">
+                <a:solidFill>
+                  <a:srgbClr val="505050"/>
+                </a:solidFill>
+                <a:effectLst/>
+                <a:latin typeface=" D2Coding ligature'"/>
+              </a:rPr>
+              <a:t>를 저장하고 닫는다</a:t>
+            </a:r>
+            <a:r>
+              <a:rPr lang="en-US" altLang="ko-KR" b="0" dirty="0">
+                <a:solidFill>
+                  <a:srgbClr val="505050"/>
+                </a:solidFill>
+                <a:effectLst/>
+                <a:latin typeface=" D2Coding ligature'"/>
+              </a:rPr>
+              <a:t>.(</a:t>
+            </a:r>
+            <a:r>
+              <a:rPr lang="ko-KR" altLang="en-US" b="0" dirty="0">
+                <a:solidFill>
+                  <a:srgbClr val="505050"/>
+                </a:solidFill>
+                <a:effectLst/>
+                <a:latin typeface=" D2Coding ligature'"/>
+              </a:rPr>
+              <a:t>없으면 만든다</a:t>
+            </a:r>
+            <a:r>
+              <a:rPr lang="en-US" altLang="ko-KR" b="0" dirty="0">
+                <a:solidFill>
+                  <a:srgbClr val="505050"/>
+                </a:solidFill>
+                <a:effectLst/>
+                <a:latin typeface=" D2Coding ligature'"/>
+              </a:rPr>
+              <a:t>)</a:t>
+            </a:r>
+            <a:endParaRPr lang="ko-KR" altLang="en-US" b="0" dirty="0">
+              <a:solidFill>
+                <a:srgbClr val="D4D4D4"/>
+              </a:solidFill>
+              <a:effectLst/>
+              <a:latin typeface=" D2Coding ligature'"/>
+            </a:endParaRPr>
+          </a:p>
+          <a:p>
+            <a:r>
+              <a:rPr lang="ko-KR" altLang="en-US" b="0" dirty="0">
+                <a:solidFill>
+                  <a:srgbClr val="D4D4D4"/>
+                </a:solidFill>
+                <a:effectLst/>
+                <a:latin typeface=" D2Coding ligature'"/>
+              </a:rPr>
+              <a:t>    </a:t>
+            </a:r>
+            <a:r>
+              <a:rPr lang="en-US" altLang="ko-KR" b="0" dirty="0">
+                <a:solidFill>
+                  <a:srgbClr val="C586C0"/>
+                </a:solidFill>
+                <a:effectLst/>
+                <a:latin typeface=" D2Coding ligature'"/>
+              </a:rPr>
+              <a:t>with</a:t>
+            </a:r>
+            <a:r>
+              <a:rPr lang="en-US" altLang="ko-KR" b="0" dirty="0">
+                <a:solidFill>
+                  <a:srgbClr val="D4D4D4"/>
+                </a:solidFill>
+                <a:effectLst/>
+                <a:latin typeface=" D2Coding ligature'"/>
+              </a:rPr>
+              <a:t> </a:t>
+            </a:r>
+            <a:r>
+              <a:rPr lang="en-US" altLang="ko-KR" b="0" dirty="0">
+                <a:solidFill>
+                  <a:srgbClr val="DCDCAA"/>
+                </a:solidFill>
+                <a:effectLst/>
+                <a:latin typeface=" D2Coding ligature'"/>
+              </a:rPr>
+              <a:t>open</a:t>
+            </a:r>
+            <a:r>
+              <a:rPr lang="en-US" altLang="ko-KR" b="0" dirty="0">
+                <a:solidFill>
+                  <a:srgbClr val="D4D4D4"/>
+                </a:solidFill>
+                <a:effectLst/>
+                <a:latin typeface=" D2Coding ligature'"/>
+              </a:rPr>
+              <a:t>(</a:t>
+            </a:r>
+            <a:r>
+              <a:rPr lang="en-US" altLang="ko-KR" b="0" i="1" dirty="0">
+                <a:solidFill>
+                  <a:srgbClr val="569CD6"/>
+                </a:solidFill>
+                <a:effectLst/>
+                <a:latin typeface=" D2Coding ligature'"/>
+              </a:rPr>
+              <a:t>f</a:t>
+            </a:r>
+            <a:r>
+              <a:rPr lang="en-US" altLang="ko-KR" b="0" dirty="0">
+                <a:solidFill>
+                  <a:srgbClr val="CE9178"/>
+                </a:solidFill>
+                <a:effectLst/>
+                <a:latin typeface=" D2Coding ligature'"/>
+              </a:rPr>
+              <a:t>"</a:t>
+            </a:r>
+            <a:r>
+              <a:rPr lang="ko-KR" altLang="en-US" b="0" dirty="0">
+                <a:solidFill>
+                  <a:srgbClr val="CE9178"/>
+                </a:solidFill>
+                <a:effectLst/>
+                <a:latin typeface=" D2Coding ligature'"/>
+              </a:rPr>
+              <a:t>삼성주가 </a:t>
+            </a:r>
+            <a:r>
+              <a:rPr lang="en-US" altLang="ko-KR" b="0" dirty="0">
+                <a:solidFill>
+                  <a:srgbClr val="569CD6"/>
+                </a:solidFill>
+                <a:effectLst/>
+                <a:latin typeface=" D2Coding ligature'"/>
+              </a:rPr>
+              <a:t>{</a:t>
+            </a:r>
+            <a:r>
+              <a:rPr lang="en-US" altLang="ko-KR" b="0" dirty="0" err="1">
+                <a:solidFill>
+                  <a:srgbClr val="9CDCFE"/>
+                </a:solidFill>
+                <a:effectLst/>
+                <a:latin typeface=" D2Coding ligature'"/>
+              </a:rPr>
+              <a:t>now</a:t>
+            </a:r>
+            <a:r>
+              <a:rPr lang="en-US" altLang="ko-KR" b="0" dirty="0" err="1">
+                <a:solidFill>
+                  <a:srgbClr val="C586C0"/>
+                </a:solidFill>
+                <a:effectLst/>
+                <a:latin typeface=" D2Coding ligature'"/>
+              </a:rPr>
+              <a:t>.</a:t>
+            </a:r>
+            <a:r>
+              <a:rPr lang="en-US" altLang="ko-KR" b="0" dirty="0" err="1">
+                <a:solidFill>
+                  <a:srgbClr val="9CDCFE"/>
+                </a:solidFill>
+                <a:effectLst/>
+                <a:latin typeface=" D2Coding ligature'"/>
+              </a:rPr>
+              <a:t>year</a:t>
+            </a:r>
+            <a:r>
+              <a:rPr lang="en-US" altLang="ko-KR" b="0" dirty="0">
+                <a:solidFill>
+                  <a:srgbClr val="569CD6"/>
+                </a:solidFill>
+                <a:effectLst/>
+                <a:latin typeface=" D2Coding ligature'"/>
+              </a:rPr>
+              <a:t>}</a:t>
+            </a:r>
+            <a:r>
+              <a:rPr lang="ko-KR" altLang="en-US" b="0" dirty="0">
+                <a:solidFill>
+                  <a:srgbClr val="CE9178"/>
+                </a:solidFill>
+                <a:effectLst/>
+                <a:latin typeface=" D2Coding ligature'"/>
+              </a:rPr>
+              <a:t>년 </a:t>
+            </a:r>
+            <a:r>
+              <a:rPr lang="en-US" altLang="ko-KR" b="0" dirty="0">
+                <a:solidFill>
+                  <a:srgbClr val="569CD6"/>
+                </a:solidFill>
+                <a:effectLst/>
+                <a:latin typeface=" D2Coding ligature'"/>
+              </a:rPr>
+              <a:t>{</a:t>
+            </a:r>
+            <a:r>
+              <a:rPr lang="en-US" altLang="ko-KR" b="0" dirty="0" err="1">
+                <a:solidFill>
+                  <a:srgbClr val="9CDCFE"/>
+                </a:solidFill>
+                <a:effectLst/>
+                <a:latin typeface=" D2Coding ligature'"/>
+              </a:rPr>
+              <a:t>now</a:t>
+            </a:r>
+            <a:r>
+              <a:rPr lang="en-US" altLang="ko-KR" b="0" dirty="0" err="1">
+                <a:solidFill>
+                  <a:srgbClr val="C586C0"/>
+                </a:solidFill>
+                <a:effectLst/>
+                <a:latin typeface=" D2Coding ligature'"/>
+              </a:rPr>
+              <a:t>.</a:t>
+            </a:r>
+            <a:r>
+              <a:rPr lang="en-US" altLang="ko-KR" b="0" dirty="0" err="1">
+                <a:solidFill>
+                  <a:srgbClr val="9CDCFE"/>
+                </a:solidFill>
+                <a:effectLst/>
+                <a:latin typeface=" D2Coding ligature'"/>
+              </a:rPr>
+              <a:t>month</a:t>
+            </a:r>
+            <a:r>
+              <a:rPr lang="en-US" altLang="ko-KR" b="0" dirty="0">
+                <a:solidFill>
+                  <a:srgbClr val="569CD6"/>
+                </a:solidFill>
+                <a:effectLst/>
+                <a:latin typeface=" D2Coding ligature'"/>
+              </a:rPr>
+              <a:t>}</a:t>
+            </a:r>
+            <a:r>
+              <a:rPr lang="ko-KR" altLang="en-US" b="0" dirty="0">
+                <a:solidFill>
+                  <a:srgbClr val="CE9178"/>
+                </a:solidFill>
+                <a:effectLst/>
+                <a:latin typeface=" D2Coding ligature'"/>
+              </a:rPr>
+              <a:t>월 </a:t>
+            </a:r>
+            <a:r>
+              <a:rPr lang="en-US" altLang="ko-KR" b="0" dirty="0">
+                <a:solidFill>
+                  <a:srgbClr val="569CD6"/>
+                </a:solidFill>
+                <a:effectLst/>
+                <a:latin typeface=" D2Coding ligature'"/>
+              </a:rPr>
+              <a:t>{</a:t>
+            </a:r>
+            <a:r>
+              <a:rPr lang="en-US" altLang="ko-KR" b="0" dirty="0" err="1">
+                <a:solidFill>
+                  <a:srgbClr val="9CDCFE"/>
+                </a:solidFill>
+                <a:effectLst/>
+                <a:latin typeface=" D2Coding ligature'"/>
+              </a:rPr>
+              <a:t>now</a:t>
+            </a:r>
+            <a:r>
+              <a:rPr lang="en-US" altLang="ko-KR" b="0" dirty="0" err="1">
+                <a:solidFill>
+                  <a:srgbClr val="C586C0"/>
+                </a:solidFill>
+                <a:effectLst/>
+                <a:latin typeface=" D2Coding ligature'"/>
+              </a:rPr>
+              <a:t>.</a:t>
+            </a:r>
+            <a:r>
+              <a:rPr lang="en-US" altLang="ko-KR" b="0" dirty="0" err="1">
+                <a:solidFill>
+                  <a:srgbClr val="9CDCFE"/>
+                </a:solidFill>
+                <a:effectLst/>
+                <a:latin typeface=" D2Coding ligature'"/>
+              </a:rPr>
+              <a:t>day</a:t>
+            </a:r>
+            <a:r>
+              <a:rPr lang="en-US" altLang="ko-KR" b="0" dirty="0">
+                <a:solidFill>
+                  <a:srgbClr val="569CD6"/>
+                </a:solidFill>
+                <a:effectLst/>
+                <a:latin typeface=" D2Coding ligature'"/>
+              </a:rPr>
+              <a:t>}</a:t>
+            </a:r>
+            <a:r>
+              <a:rPr lang="ko-KR" altLang="en-US" b="0" dirty="0">
+                <a:solidFill>
+                  <a:srgbClr val="CE9178"/>
+                </a:solidFill>
+                <a:effectLst/>
+                <a:latin typeface=" D2Coding ligature'"/>
+              </a:rPr>
+              <a:t>일</a:t>
+            </a:r>
+            <a:r>
+              <a:rPr lang="en-US" altLang="ko-KR" b="0" dirty="0">
+                <a:solidFill>
+                  <a:srgbClr val="CE9178"/>
+                </a:solidFill>
+                <a:effectLst/>
+                <a:latin typeface=" D2Coding ligature'"/>
+              </a:rPr>
+              <a:t>.</a:t>
+            </a:r>
+            <a:r>
+              <a:rPr lang="en-US" altLang="ko-KR" b="0" dirty="0" err="1">
+                <a:solidFill>
+                  <a:srgbClr val="CE9178"/>
+                </a:solidFill>
+                <a:effectLst/>
+                <a:latin typeface=" D2Coding ligature'"/>
+              </a:rPr>
+              <a:t>txt"</a:t>
+            </a:r>
+            <a:r>
+              <a:rPr lang="en-US" altLang="ko-KR" b="0" dirty="0" err="1">
+                <a:solidFill>
+                  <a:srgbClr val="D4D4D4"/>
+                </a:solidFill>
+                <a:effectLst/>
+                <a:latin typeface=" D2Coding ligature'"/>
+              </a:rPr>
+              <a:t>,</a:t>
+            </a:r>
+            <a:r>
+              <a:rPr lang="en-US" altLang="ko-KR" b="0" dirty="0" err="1">
+                <a:solidFill>
+                  <a:srgbClr val="CE9178"/>
+                </a:solidFill>
+                <a:effectLst/>
+                <a:latin typeface=" D2Coding ligature'"/>
+              </a:rPr>
+              <a:t>'a</a:t>
+            </a:r>
+            <a:r>
+              <a:rPr lang="en-US" altLang="ko-KR" b="0" dirty="0">
+                <a:solidFill>
+                  <a:srgbClr val="CE9178"/>
+                </a:solidFill>
+                <a:effectLst/>
+                <a:latin typeface=" D2Coding ligature'"/>
+              </a:rPr>
+              <a:t>'</a:t>
+            </a:r>
+            <a:r>
+              <a:rPr lang="en-US" altLang="ko-KR" b="0" dirty="0">
+                <a:solidFill>
+                  <a:srgbClr val="D4D4D4"/>
+                </a:solidFill>
+                <a:effectLst/>
+                <a:latin typeface=" D2Coding ligature'"/>
+              </a:rPr>
+              <a:t>) </a:t>
+            </a:r>
+            <a:r>
+              <a:rPr lang="en-US" altLang="ko-KR" b="0" dirty="0">
+                <a:solidFill>
+                  <a:srgbClr val="C586C0"/>
+                </a:solidFill>
+                <a:effectLst/>
+                <a:latin typeface=" D2Coding ligature'"/>
+              </a:rPr>
+              <a:t>as</a:t>
+            </a:r>
+            <a:r>
+              <a:rPr lang="en-US" altLang="ko-KR" b="0" dirty="0">
+                <a:solidFill>
+                  <a:srgbClr val="D4D4D4"/>
+                </a:solidFill>
+                <a:effectLst/>
+                <a:latin typeface=" D2Coding ligature'"/>
+              </a:rPr>
+              <a:t> f</a:t>
+            </a:r>
+            <a:r>
+              <a:rPr lang="en-US" altLang="ko-KR" b="0" dirty="0">
+                <a:solidFill>
+                  <a:srgbClr val="C586C0"/>
+                </a:solidFill>
+                <a:effectLst/>
+                <a:latin typeface=" D2Coding ligature'"/>
+              </a:rPr>
+              <a:t>:</a:t>
+            </a:r>
+            <a:endParaRPr lang="en-US" altLang="ko-KR" b="0" dirty="0">
+              <a:solidFill>
+                <a:srgbClr val="D4D4D4"/>
+              </a:solidFill>
+              <a:effectLst/>
+              <a:latin typeface=" D2Coding ligature'"/>
+            </a:endParaRPr>
+          </a:p>
+          <a:p>
+            <a:r>
+              <a:rPr lang="en-US" altLang="ko-KR" b="0" dirty="0">
+                <a:solidFill>
+                  <a:srgbClr val="D4D4D4"/>
+                </a:solidFill>
+                <a:effectLst/>
+                <a:latin typeface=" D2Coding ligature'"/>
+              </a:rPr>
+              <a:t>        </a:t>
+            </a:r>
+            <a:r>
+              <a:rPr lang="en-US" altLang="ko-KR" b="0" dirty="0" err="1">
+                <a:solidFill>
+                  <a:srgbClr val="D4D4D4"/>
+                </a:solidFill>
+                <a:effectLst/>
+                <a:latin typeface=" D2Coding ligature'"/>
+              </a:rPr>
+              <a:t>f</a:t>
+            </a:r>
+            <a:r>
+              <a:rPr lang="en-US" altLang="ko-KR" b="0" dirty="0" err="1">
+                <a:solidFill>
+                  <a:srgbClr val="C586C0"/>
+                </a:solidFill>
+                <a:effectLst/>
+                <a:latin typeface=" D2Coding ligature'"/>
+              </a:rPr>
+              <a:t>.</a:t>
+            </a:r>
+            <a:r>
+              <a:rPr lang="en-US" altLang="ko-KR" b="0" dirty="0" err="1">
+                <a:solidFill>
+                  <a:srgbClr val="DCDCAA"/>
+                </a:solidFill>
+                <a:effectLst/>
+                <a:latin typeface=" D2Coding ligature'"/>
+              </a:rPr>
+              <a:t>write</a:t>
+            </a:r>
+            <a:r>
+              <a:rPr lang="en-US" altLang="ko-KR" b="0" dirty="0">
+                <a:solidFill>
+                  <a:srgbClr val="D4D4D4"/>
+                </a:solidFill>
+                <a:effectLst/>
+                <a:latin typeface=" D2Coding ligature'"/>
+              </a:rPr>
+              <a:t>(</a:t>
+            </a:r>
+            <a:r>
+              <a:rPr lang="en-US" altLang="ko-KR" b="0" dirty="0">
+                <a:solidFill>
+                  <a:srgbClr val="9CDCFE"/>
+                </a:solidFill>
+                <a:effectLst/>
+                <a:latin typeface=" D2Coding ligature'"/>
+              </a:rPr>
+              <a:t>text</a:t>
+            </a:r>
+            <a:r>
+              <a:rPr lang="en-US" altLang="ko-KR" b="0" dirty="0">
+                <a:solidFill>
+                  <a:srgbClr val="D4D4D4"/>
+                </a:solidFill>
+                <a:effectLst/>
+                <a:latin typeface=" D2Coding ligature'"/>
+              </a:rPr>
+              <a:t>)</a:t>
+            </a:r>
+          </a:p>
+          <a:p>
+            <a:r>
+              <a:rPr lang="en-US" altLang="ko-KR" b="0" dirty="0">
+                <a:solidFill>
+                  <a:srgbClr val="D4D4D4"/>
+                </a:solidFill>
+                <a:effectLst/>
+                <a:latin typeface=" D2Coding ligature'"/>
+              </a:rPr>
+              <a:t>    </a:t>
+            </a:r>
+            <a:r>
+              <a:rPr lang="en-US" altLang="ko-KR" b="0" dirty="0">
+                <a:solidFill>
+                  <a:srgbClr val="505050"/>
+                </a:solidFill>
+                <a:effectLst/>
+                <a:latin typeface=" D2Coding ligature'"/>
+              </a:rPr>
+              <a:t># n</a:t>
+            </a:r>
+            <a:r>
+              <a:rPr lang="ko-KR" altLang="en-US" b="0" dirty="0">
+                <a:solidFill>
+                  <a:srgbClr val="505050"/>
+                </a:solidFill>
+                <a:effectLst/>
+                <a:latin typeface=" D2Coding ligature'"/>
+              </a:rPr>
+              <a:t>초 기다리기</a:t>
+            </a:r>
+            <a:endParaRPr lang="ko-KR" altLang="en-US" b="0" dirty="0">
+              <a:solidFill>
+                <a:srgbClr val="D4D4D4"/>
+              </a:solidFill>
+              <a:effectLst/>
+              <a:latin typeface=" D2Coding ligature'"/>
+            </a:endParaRPr>
+          </a:p>
+          <a:p>
+            <a:r>
+              <a:rPr lang="ko-KR" altLang="en-US" b="0" dirty="0">
+                <a:solidFill>
+                  <a:srgbClr val="D4D4D4"/>
+                </a:solidFill>
+                <a:effectLst/>
+                <a:latin typeface=" D2Coding ligature'"/>
+              </a:rPr>
+              <a:t>    </a:t>
+            </a:r>
+            <a:r>
+              <a:rPr lang="en-US" altLang="ko-KR" b="0" dirty="0" err="1">
+                <a:solidFill>
+                  <a:srgbClr val="D4D4D4"/>
+                </a:solidFill>
+                <a:effectLst/>
+                <a:latin typeface=" D2Coding ligature'"/>
+              </a:rPr>
+              <a:t>time</a:t>
+            </a:r>
+            <a:r>
+              <a:rPr lang="en-US" altLang="ko-KR" b="0" dirty="0" err="1">
+                <a:solidFill>
+                  <a:srgbClr val="C586C0"/>
+                </a:solidFill>
+                <a:effectLst/>
+                <a:latin typeface=" D2Coding ligature'"/>
+              </a:rPr>
+              <a:t>.</a:t>
+            </a:r>
+            <a:r>
+              <a:rPr lang="en-US" altLang="ko-KR" b="0" dirty="0" err="1">
+                <a:solidFill>
+                  <a:srgbClr val="DCDCAA"/>
+                </a:solidFill>
+                <a:effectLst/>
+                <a:latin typeface=" D2Coding ligature'"/>
+              </a:rPr>
+              <a:t>sleep</a:t>
+            </a:r>
+            <a:r>
+              <a:rPr lang="en-US" altLang="ko-KR" b="0" dirty="0">
+                <a:solidFill>
+                  <a:srgbClr val="D4D4D4"/>
+                </a:solidFill>
+                <a:effectLst/>
+                <a:latin typeface=" D2Coding ligature'"/>
+              </a:rPr>
+              <a:t>(</a:t>
+            </a:r>
+            <a:r>
+              <a:rPr lang="en-US" altLang="ko-KR" b="0" dirty="0">
+                <a:solidFill>
+                  <a:srgbClr val="B5CEA8"/>
+                </a:solidFill>
+                <a:effectLst/>
+                <a:latin typeface=" D2Coding ligature'"/>
+              </a:rPr>
+              <a:t>3</a:t>
+            </a:r>
+            <a:r>
+              <a:rPr lang="en-US" altLang="ko-KR" b="0" dirty="0">
+                <a:solidFill>
+                  <a:srgbClr val="D4D4D4"/>
+                </a:solidFill>
+                <a:effectLst/>
+                <a:latin typeface=" D2Coding ligature'"/>
+              </a:rPr>
+              <a:t>)</a:t>
+            </a:r>
+          </a:p>
+        </p:txBody>
+      </p:sp>
+    </p:spTree>
+    <p:extLst>
+      <p:ext uri="{BB962C8B-B14F-4D97-AF65-F5344CB8AC3E}">
+        <p14:creationId xmlns:p14="http://schemas.microsoft.com/office/powerpoint/2010/main" val="1703793835"/>
+      </p:ext>
+    </p:extLst>
+  </p:cSld>
+  <p:clrMapOvr>
+    <a:masterClrMapping/>
+  </p:clrMapOvr>
+</p:sld>
+</file>
+
+<file path=ppt/slides/slide21.xml><?xml version="1.0" encoding="utf-8"?>
+<p:sld xmlns:a="http://schemas.openxmlformats.org/drawingml/2006/main" xmlns:r="http://schemas.openxmlformats.org/officeDocument/2006/relationships" xmlns:p="http://schemas.openxmlformats.org/presentationml/2006/main">
+  <p:cSld>
+    <p:spTree>
+      <p:nvGrpSpPr>
+        <p:cNvPr id="1" name=""/>
+        <p:cNvGrpSpPr/>
+        <p:nvPr/>
+      </p:nvGrpSpPr>
+      <p:grpSpPr>
+        <a:xfrm>
+          <a:off x="0" y="0"/>
+          <a:ext cx="0" cy="0"/>
+          <a:chOff x="0" y="0"/>
+          <a:chExt cx="0" cy="0"/>
+        </a:xfrm>
+      </p:grpSpPr>
+      <p:sp>
+        <p:nvSpPr>
           <p:cNvPr id="2" name="제목 1">
             <a:extLst>
               <a:ext uri="{FF2B5EF4-FFF2-40B4-BE49-F238E27FC236}">
@@ -9779,7 +10029,7 @@
 </p:sld>
 </file>
 
-<file path=ppt/slides/slide21.xml><?xml version="1.0" encoding="utf-8"?>
+<file path=ppt/slides/slide22.xml><?xml version="1.0" encoding="utf-8"?>
 <p:sld xmlns:a="http://schemas.openxmlformats.org/drawingml/2006/main" xmlns:r="http://schemas.openxmlformats.org/officeDocument/2006/relationships" xmlns:p="http://schemas.openxmlformats.org/presentationml/2006/main">
   <p:cSld>
     <p:spTree>
